--- a/Notes/09_ThreeJS_1.pptx
+++ b/Notes/09_ThreeJS_1.pptx
@@ -225,7 +225,7 @@
           <a:p>
             <a:fld id="{1558EF9E-F90D-3644-932C-1F90C8EF183B}" type="datetimeFigureOut">
               <a:rPr kumimoji="1" lang="ko-KR" altLang="en-US" smtClean="0"/>
-              <a:t>2025. 4. 12.</a:t>
+              <a:t>2025. 4. 23.</a:t>
             </a:fld>
             <a:endParaRPr kumimoji="1" lang="ko-KR" altLang="en-US"/>
           </a:p>
@@ -3902,20 +3902,12 @@
               <a:t>Scene</a:t>
             </a:r>
             <a:r>
-              <a:rPr kumimoji="1" lang="ko-KR" altLang="en-US" dirty="0" err="1">
-                <a:latin typeface="Pretendard" panose="02000503000000020004" pitchFamily="2" charset="-127"/>
-                <a:ea typeface="Pretendard" panose="02000503000000020004" pitchFamily="2" charset="-127"/>
-                <a:cs typeface="Pretendard" panose="02000503000000020004" pitchFamily="2" charset="-127"/>
-              </a:rPr>
-              <a:t>에</a:t>
-            </a:r>
-            <a:r>
               <a:rPr kumimoji="1" lang="ko-KR" altLang="en-US" dirty="0">
                 <a:latin typeface="Pretendard" panose="02000503000000020004" pitchFamily="2" charset="-127"/>
                 <a:ea typeface="Pretendard" panose="02000503000000020004" pitchFamily="2" charset="-127"/>
                 <a:cs typeface="Pretendard" panose="02000503000000020004" pitchFamily="2" charset="-127"/>
               </a:rPr>
-              <a:t> </a:t>
+              <a:t>에 </a:t>
             </a:r>
             <a:r>
               <a:rPr kumimoji="1" lang="en-US" altLang="ko-KR" dirty="0">
@@ -3925,6 +3917,45 @@
               </a:rPr>
               <a:t>add</a:t>
             </a:r>
+          </a:p>
+          <a:p>
+            <a:r>
+              <a:rPr kumimoji="1" lang="en-US" altLang="ko-KR" dirty="0">
+                <a:latin typeface="Pretendard" panose="02000503000000020004" pitchFamily="2" charset="-127"/>
+                <a:ea typeface="Pretendard" panose="02000503000000020004" pitchFamily="2" charset="-127"/>
+                <a:cs typeface="Pretendard" panose="02000503000000020004" pitchFamily="2" charset="-127"/>
+              </a:rPr>
+              <a:t>Scene</a:t>
+            </a:r>
+            <a:r>
+              <a:rPr kumimoji="1" lang="ko-KR" altLang="en-US" dirty="0">
+                <a:latin typeface="Pretendard" panose="02000503000000020004" pitchFamily="2" charset="-127"/>
+                <a:ea typeface="Pretendard" panose="02000503000000020004" pitchFamily="2" charset="-127"/>
+                <a:cs typeface="Pretendard" panose="02000503000000020004" pitchFamily="2" charset="-127"/>
+              </a:rPr>
+              <a:t>은 </a:t>
+            </a:r>
+            <a:r>
+              <a:rPr kumimoji="1" lang="en-US" altLang="ko-KR" dirty="0">
+                <a:latin typeface="Pretendard" panose="02000503000000020004" pitchFamily="2" charset="-127"/>
+                <a:ea typeface="Pretendard" panose="02000503000000020004" pitchFamily="2" charset="-127"/>
+                <a:cs typeface="Pretendard" panose="02000503000000020004" pitchFamily="2" charset="-127"/>
+              </a:rPr>
+              <a:t>Tree</a:t>
+            </a:r>
+            <a:r>
+              <a:rPr kumimoji="1" lang="ko-KR" altLang="en-US" dirty="0">
+                <a:latin typeface="Pretendard" panose="02000503000000020004" pitchFamily="2" charset="-127"/>
+                <a:ea typeface="Pretendard" panose="02000503000000020004" pitchFamily="2" charset="-127"/>
+                <a:cs typeface="Pretendard" panose="02000503000000020004" pitchFamily="2" charset="-127"/>
+              </a:rPr>
+              <a:t> 구조로 구성</a:t>
+            </a:r>
+            <a:endParaRPr kumimoji="1" lang="en-US" altLang="ko-KR" dirty="0">
+              <a:latin typeface="Pretendard" panose="02000503000000020004" pitchFamily="2" charset="-127"/>
+              <a:ea typeface="Pretendard" panose="02000503000000020004" pitchFamily="2" charset="-127"/>
+              <a:cs typeface="Pretendard" panose="02000503000000020004" pitchFamily="2" charset="-127"/>
+            </a:endParaRPr>
           </a:p>
           <a:p>
             <a:pPr marL="0" indent="0">

--- a/Notes/09_ThreeJS_1.pptx
+++ b/Notes/09_ThreeJS_1.pptx
@@ -9,7 +9,7 @@
   </p:notesMasterIdLst>
   <p:sldIdLst>
     <p:sldId id="256" r:id="rId2"/>
-    <p:sldId id="257" r:id="rId3"/>
+    <p:sldId id="286" r:id="rId3"/>
     <p:sldId id="263" r:id="rId4"/>
     <p:sldId id="265" r:id="rId5"/>
     <p:sldId id="258" r:id="rId6"/>
@@ -225,7 +225,7 @@
           <a:p>
             <a:fld id="{1558EF9E-F90D-3644-932C-1F90C8EF183B}" type="datetimeFigureOut">
               <a:rPr kumimoji="1" lang="ko-KR" altLang="en-US" smtClean="0"/>
-              <a:t>2025. 4. 23.</a:t>
+              <a:t>2025. 4. 30.</a:t>
             </a:fld>
             <a:endParaRPr kumimoji="1" lang="ko-KR" altLang="en-US"/>
           </a:p>
@@ -542,6 +542,1564 @@
     <p:extLst>
       <p:ext uri="{BB962C8B-B14F-4D97-AF65-F5344CB8AC3E}">
         <p14:creationId xmlns:p14="http://schemas.microsoft.com/office/powerpoint/2010/main" val="3088161105"/>
+      </p:ext>
+    </p:extLst>
+  </p:cSld>
+  <p:clrMapOvr>
+    <a:masterClrMapping/>
+  </p:clrMapOvr>
+</p:notes>
+</file>
+
+<file path=ppt/notesSlides/notesSlide2.xml><?xml version="1.0" encoding="utf-8"?>
+<p:notes xmlns:a="http://schemas.openxmlformats.org/drawingml/2006/main" xmlns:r="http://schemas.openxmlformats.org/officeDocument/2006/relationships" xmlns:p="http://schemas.openxmlformats.org/presentationml/2006/main">
+  <p:cSld>
+    <p:spTree>
+      <p:nvGrpSpPr>
+        <p:cNvPr id="1" name=""/>
+        <p:cNvGrpSpPr/>
+        <p:nvPr/>
+      </p:nvGrpSpPr>
+      <p:grpSpPr>
+        <a:xfrm>
+          <a:off x="0" y="0"/>
+          <a:ext cx="0" cy="0"/>
+          <a:chOff x="0" y="0"/>
+          <a:chExt cx="0" cy="0"/>
+        </a:xfrm>
+      </p:grpSpPr>
+      <p:sp>
+        <p:nvSpPr>
+          <p:cNvPr id="2" name="슬라이드 이미지 개체 틀 1"/>
+          <p:cNvSpPr>
+            <a:spLocks noGrp="1" noRot="1" noChangeAspect="1"/>
+          </p:cNvSpPr>
+          <p:nvPr>
+            <p:ph type="sldImg"/>
+          </p:nvPr>
+        </p:nvSpPr>
+        <p:spPr/>
+      </p:sp>
+      <p:sp>
+        <p:nvSpPr>
+          <p:cNvPr id="3" name="슬라이드 노트 개체 틀 2"/>
+          <p:cNvSpPr>
+            <a:spLocks noGrp="1"/>
+          </p:cNvSpPr>
+          <p:nvPr>
+            <p:ph type="body" idx="1"/>
+          </p:nvPr>
+        </p:nvSpPr>
+        <p:spPr/>
+        <p:txBody>
+          <a:bodyPr/>
+          <a:lstStyle/>
+          <a:p>
+            <a:pPr marL="228600" indent="-228600">
+              <a:buFont typeface="+mj-lt"/>
+              <a:buAutoNum type="arabicPeriod"/>
+            </a:pPr>
+            <a:r>
+              <a:rPr kumimoji="1" lang="en-US" altLang="ko-KR" dirty="0" err="1"/>
+              <a:t>Three.js</a:t>
+            </a:r>
+            <a:r>
+              <a:rPr kumimoji="1" lang="en-US" altLang="ko-KR" dirty="0"/>
+              <a:t> </a:t>
+            </a:r>
+            <a:r>
+              <a:rPr kumimoji="1" lang="ko-KR" altLang="en-US" dirty="0"/>
+              <a:t>는 </a:t>
+            </a:r>
+            <a:r>
+              <a:rPr kumimoji="1" lang="en-US" altLang="ko-KR" dirty="0"/>
+              <a:t>WebGL</a:t>
+            </a:r>
+            <a:r>
+              <a:rPr kumimoji="1" lang="ko-KR" altLang="en-US" dirty="0"/>
+              <a:t>을 바탕으로 구현된 </a:t>
+            </a:r>
+            <a:r>
+              <a:rPr kumimoji="1" lang="en-US" altLang="ko-KR" dirty="0"/>
+              <a:t>3D real-time graphics library </a:t>
+            </a:r>
+            <a:r>
+              <a:rPr kumimoji="1" lang="ko-KR" altLang="en-US" dirty="0"/>
+              <a:t>입니다</a:t>
+            </a:r>
+            <a:r>
+              <a:rPr kumimoji="1" lang="en-US" altLang="ko-KR" dirty="0"/>
+              <a:t>.</a:t>
+            </a:r>
+            <a:r>
+              <a:rPr kumimoji="1" lang="ko-KR" altLang="en-US" dirty="0"/>
+              <a:t> </a:t>
+            </a:r>
+            <a:endParaRPr kumimoji="1" lang="en-US" altLang="ko-KR" dirty="0"/>
+          </a:p>
+          <a:p>
+            <a:pPr marL="228600" indent="-228600">
+              <a:buFont typeface="+mj-lt"/>
+              <a:buAutoNum type="arabicPeriod"/>
+            </a:pPr>
+            <a:r>
+              <a:rPr kumimoji="1" lang="ko-KR" altLang="en-US" dirty="0"/>
+              <a:t>이 </a:t>
+            </a:r>
+            <a:r>
+              <a:rPr kumimoji="1" lang="en-US" altLang="ko-KR" dirty="0"/>
+              <a:t>library</a:t>
+            </a:r>
+            <a:r>
+              <a:rPr kumimoji="1" lang="ko-KR" altLang="en-US" dirty="0"/>
+              <a:t>에는 </a:t>
+            </a:r>
+            <a:r>
+              <a:rPr kumimoji="1" lang="en-US" altLang="ko-KR" dirty="0"/>
+              <a:t>WebGL</a:t>
+            </a:r>
+            <a:r>
+              <a:rPr kumimoji="1" lang="ko-KR" altLang="en-US" dirty="0"/>
+              <a:t>로 구현할 수 있는 거의 모든 </a:t>
+            </a:r>
+            <a:r>
+              <a:rPr kumimoji="1" lang="en-US" altLang="ko-KR" dirty="0"/>
+              <a:t>3D graphics </a:t>
+            </a:r>
+            <a:r>
+              <a:rPr kumimoji="1" lang="ko-KR" altLang="en-US" dirty="0"/>
+              <a:t>기술들이 거의 다 포함되어 있다고 볼 수 있습니다</a:t>
+            </a:r>
+            <a:r>
+              <a:rPr kumimoji="1" lang="en-US" altLang="ko-KR" dirty="0"/>
+              <a:t>.</a:t>
+            </a:r>
+            <a:r>
+              <a:rPr kumimoji="1" lang="ko-KR" altLang="en-US" dirty="0"/>
+              <a:t> </a:t>
+            </a:r>
+            <a:endParaRPr kumimoji="1" lang="en-US" altLang="ko-KR" dirty="0"/>
+          </a:p>
+          <a:p>
+            <a:pPr marL="228600" indent="-228600">
+              <a:buFont typeface="+mj-lt"/>
+              <a:buAutoNum type="arabicPeriod"/>
+            </a:pPr>
+            <a:r>
+              <a:rPr kumimoji="1" lang="ko-KR" altLang="en-US" dirty="0"/>
+              <a:t>그러나 </a:t>
+            </a:r>
+            <a:r>
+              <a:rPr kumimoji="1" lang="en-US" altLang="ko-KR" dirty="0" err="1"/>
+              <a:t>Three.js</a:t>
+            </a:r>
+            <a:r>
+              <a:rPr kumimoji="1" lang="en-US" altLang="ko-KR" dirty="0"/>
+              <a:t> </a:t>
+            </a:r>
+            <a:r>
+              <a:rPr kumimoji="1" lang="ko-KR" altLang="en-US" dirty="0"/>
+              <a:t>는 </a:t>
+            </a:r>
+            <a:r>
+              <a:rPr kumimoji="1" lang="en-US" altLang="ko-KR" dirty="0"/>
+              <a:t>WebGL</a:t>
+            </a:r>
+            <a:r>
+              <a:rPr kumimoji="1" lang="ko-KR" altLang="en-US" dirty="0"/>
+              <a:t>에서와 같은 </a:t>
+            </a:r>
+            <a:r>
+              <a:rPr kumimoji="1" lang="en-US" altLang="ko-KR" dirty="0"/>
+              <a:t>low level </a:t>
+            </a:r>
+            <a:r>
+              <a:rPr kumimoji="1" lang="ko-KR" altLang="en-US" dirty="0"/>
+              <a:t>기능들을 모두 </a:t>
+            </a:r>
+            <a:r>
+              <a:rPr kumimoji="1" lang="en-US" altLang="ko-KR" dirty="0"/>
+              <a:t>wrapping </a:t>
+            </a:r>
+            <a:r>
+              <a:rPr kumimoji="1" lang="ko-KR" altLang="en-US" dirty="0"/>
+              <a:t>해 놓았기 때문에 기본적인 </a:t>
+            </a:r>
+            <a:r>
+              <a:rPr kumimoji="1" lang="en-US" altLang="ko-KR" dirty="0"/>
+              <a:t>graphics </a:t>
+            </a:r>
+            <a:r>
+              <a:rPr kumimoji="1" lang="ko-KR" altLang="en-US" dirty="0"/>
+              <a:t>지식을 갖추었다면 사용하기가 </a:t>
+            </a:r>
+            <a:r>
+              <a:rPr kumimoji="1" lang="en-US" altLang="ko-KR" dirty="0"/>
+              <a:t>WebGL</a:t>
+            </a:r>
+            <a:r>
+              <a:rPr kumimoji="1" lang="ko-KR" altLang="en-US" dirty="0"/>
+              <a:t>보다 훨씬 쉽습니다</a:t>
+            </a:r>
+            <a:r>
+              <a:rPr kumimoji="1" lang="en-US" altLang="ko-KR" dirty="0"/>
+              <a:t>.</a:t>
+            </a:r>
+            <a:r>
+              <a:rPr kumimoji="1" lang="ko-KR" altLang="en-US" dirty="0"/>
+              <a:t> </a:t>
+            </a:r>
+            <a:endParaRPr kumimoji="1" lang="en-US" altLang="ko-KR" dirty="0"/>
+          </a:p>
+          <a:p>
+            <a:pPr marL="228600" indent="-228600">
+              <a:buFont typeface="+mj-lt"/>
+              <a:buAutoNum type="arabicPeriod"/>
+            </a:pPr>
+            <a:r>
+              <a:rPr kumimoji="1" lang="en-US" altLang="ko-KR" dirty="0" err="1"/>
+              <a:t>Three.js</a:t>
+            </a:r>
+            <a:r>
+              <a:rPr kumimoji="1" lang="ko-KR" altLang="en-US" dirty="0"/>
+              <a:t>로 구축된 </a:t>
+            </a:r>
+            <a:r>
+              <a:rPr kumimoji="1" lang="en-US" altLang="ko-KR" dirty="0"/>
+              <a:t>application</a:t>
+            </a:r>
+            <a:r>
+              <a:rPr kumimoji="1" lang="ko-KR" altLang="en-US" dirty="0"/>
+              <a:t>들은 </a:t>
+            </a:r>
+            <a:r>
+              <a:rPr kumimoji="1" lang="en-US" altLang="ko-KR" dirty="0"/>
+              <a:t>WebGL</a:t>
+            </a:r>
+            <a:r>
+              <a:rPr kumimoji="1" lang="ko-KR" altLang="en-US" dirty="0"/>
+              <a:t>을 </a:t>
+            </a:r>
+            <a:r>
+              <a:rPr kumimoji="1" lang="en-US" altLang="ko-KR" dirty="0"/>
+              <a:t>base</a:t>
+            </a:r>
+            <a:r>
+              <a:rPr kumimoji="1" lang="ko-KR" altLang="en-US" dirty="0"/>
+              <a:t>로 하기 때문에 </a:t>
+            </a:r>
+            <a:r>
+              <a:rPr kumimoji="1" lang="en-US" altLang="ko-KR" dirty="0"/>
+              <a:t>WebGL</a:t>
+            </a:r>
+            <a:r>
+              <a:rPr kumimoji="1" lang="ko-KR" altLang="en-US" dirty="0"/>
+              <a:t>을 지원하는 거의 모든 </a:t>
+            </a:r>
+            <a:r>
+              <a:rPr kumimoji="1" lang="en-US" altLang="ko-KR" dirty="0"/>
+              <a:t>web browser</a:t>
+            </a:r>
+            <a:r>
+              <a:rPr kumimoji="1" lang="ko-KR" altLang="en-US" dirty="0"/>
+              <a:t>에서 실행될 수 있습니다</a:t>
+            </a:r>
+            <a:r>
+              <a:rPr kumimoji="1" lang="en-US" altLang="ko-KR" dirty="0"/>
+              <a:t>.</a:t>
+            </a:r>
+            <a:r>
+              <a:rPr kumimoji="1" lang="ko-KR" altLang="en-US" dirty="0"/>
+              <a:t> </a:t>
+            </a:r>
+            <a:endParaRPr kumimoji="1" lang="en-US" altLang="ko-KR" dirty="0"/>
+          </a:p>
+          <a:p>
+            <a:pPr marL="228600" indent="-228600">
+              <a:buFont typeface="+mj-lt"/>
+              <a:buAutoNum type="arabicPeriod"/>
+            </a:pPr>
+            <a:r>
+              <a:rPr kumimoji="1" lang="ko-KR" altLang="en-US" dirty="0"/>
+              <a:t>최근에는 </a:t>
+            </a:r>
+            <a:r>
+              <a:rPr kumimoji="1" lang="en-US" altLang="ko-KR" dirty="0" err="1"/>
+              <a:t>Three.js</a:t>
+            </a:r>
+            <a:r>
+              <a:rPr kumimoji="1" lang="ko-KR" altLang="en-US" dirty="0"/>
+              <a:t>는 </a:t>
+            </a:r>
+            <a:r>
+              <a:rPr kumimoji="1" lang="en-US" altLang="ko-KR" dirty="0"/>
+              <a:t>Web page</a:t>
+            </a:r>
+            <a:r>
+              <a:rPr kumimoji="1" lang="ko-KR" altLang="en-US" dirty="0"/>
+              <a:t>를 </a:t>
+            </a:r>
+            <a:r>
+              <a:rPr kumimoji="1" lang="en-US" altLang="ko-KR" dirty="0"/>
+              <a:t>dynamic</a:t>
+            </a:r>
+            <a:r>
+              <a:rPr kumimoji="1" lang="ko-KR" altLang="en-US" dirty="0"/>
+              <a:t>하고 아름답게 구현하는데 많이 사용되고 있으며</a:t>
+            </a:r>
+            <a:r>
+              <a:rPr kumimoji="1" lang="en-US" altLang="ko-KR" dirty="0"/>
+              <a:t>,</a:t>
+            </a:r>
+            <a:r>
+              <a:rPr kumimoji="1" lang="ko-KR" altLang="en-US" dirty="0"/>
+              <a:t> </a:t>
+            </a:r>
+            <a:r>
+              <a:rPr kumimoji="1" lang="en-US" altLang="ko-KR" dirty="0"/>
+              <a:t>Web</a:t>
+            </a:r>
+            <a:r>
+              <a:rPr kumimoji="1" lang="ko-KR" altLang="en-US" dirty="0"/>
+              <a:t>에서 구동되는 </a:t>
+            </a:r>
+            <a:r>
+              <a:rPr kumimoji="1" lang="en-US" altLang="ko-KR" dirty="0"/>
+              <a:t>game </a:t>
+            </a:r>
+            <a:r>
+              <a:rPr kumimoji="1" lang="ko-KR" altLang="en-US" dirty="0"/>
+              <a:t>및 </a:t>
+            </a:r>
+            <a:r>
+              <a:rPr kumimoji="1" lang="en-US" altLang="ko-KR" dirty="0"/>
+              <a:t>VR application</a:t>
+            </a:r>
+            <a:r>
+              <a:rPr kumimoji="1" lang="ko-KR" altLang="en-US" dirty="0"/>
+              <a:t>의 구현에도 많이 사용되고 있습니다</a:t>
+            </a:r>
+            <a:r>
+              <a:rPr kumimoji="1" lang="en-US" altLang="ko-KR" dirty="0"/>
+              <a:t>.</a:t>
+            </a:r>
+            <a:r>
+              <a:rPr kumimoji="1" lang="ko-KR" altLang="en-US" dirty="0"/>
+              <a:t> </a:t>
+            </a:r>
+            <a:endParaRPr kumimoji="1" lang="en-US" altLang="ko-KR" dirty="0"/>
+          </a:p>
+          <a:p>
+            <a:endParaRPr kumimoji="1" lang="en-US" altLang="ko-KR" dirty="0"/>
+          </a:p>
+          <a:p>
+            <a:endParaRPr kumimoji="1" lang="ko-KR" altLang="en-US" dirty="0"/>
+          </a:p>
+          <a:p>
+            <a:endParaRPr kumimoji="1" lang="ko-KR" altLang="en-US" dirty="0"/>
+          </a:p>
+        </p:txBody>
+      </p:sp>
+      <p:sp>
+        <p:nvSpPr>
+          <p:cNvPr id="4" name="슬라이드 번호 개체 틀 3"/>
+          <p:cNvSpPr>
+            <a:spLocks noGrp="1"/>
+          </p:cNvSpPr>
+          <p:nvPr>
+            <p:ph type="sldNum" sz="quarter" idx="5"/>
+          </p:nvPr>
+        </p:nvSpPr>
+        <p:spPr/>
+        <p:txBody>
+          <a:bodyPr/>
+          <a:lstStyle/>
+          <a:p>
+            <a:fld id="{515CD10E-49FF-8C40-B7F3-CA6239B459A9}" type="slidenum">
+              <a:rPr kumimoji="1" lang="ko-KR" altLang="en-US" smtClean="0"/>
+              <a:t>2</a:t>
+            </a:fld>
+            <a:endParaRPr kumimoji="1" lang="ko-KR" altLang="en-US"/>
+          </a:p>
+        </p:txBody>
+      </p:sp>
+    </p:spTree>
+    <p:extLst>
+      <p:ext uri="{BB962C8B-B14F-4D97-AF65-F5344CB8AC3E}">
+        <p14:creationId xmlns:p14="http://schemas.microsoft.com/office/powerpoint/2010/main" val="728404823"/>
+      </p:ext>
+    </p:extLst>
+  </p:cSld>
+  <p:clrMapOvr>
+    <a:masterClrMapping/>
+  </p:clrMapOvr>
+</p:notes>
+</file>
+
+<file path=ppt/notesSlides/notesSlide3.xml><?xml version="1.0" encoding="utf-8"?>
+<p:notes xmlns:a="http://schemas.openxmlformats.org/drawingml/2006/main" xmlns:r="http://schemas.openxmlformats.org/officeDocument/2006/relationships" xmlns:p="http://schemas.openxmlformats.org/presentationml/2006/main">
+  <p:cSld>
+    <p:spTree>
+      <p:nvGrpSpPr>
+        <p:cNvPr id="1" name=""/>
+        <p:cNvGrpSpPr/>
+        <p:nvPr/>
+      </p:nvGrpSpPr>
+      <p:grpSpPr>
+        <a:xfrm>
+          <a:off x="0" y="0"/>
+          <a:ext cx="0" cy="0"/>
+          <a:chOff x="0" y="0"/>
+          <a:chExt cx="0" cy="0"/>
+        </a:xfrm>
+      </p:grpSpPr>
+      <p:sp>
+        <p:nvSpPr>
+          <p:cNvPr id="2" name="슬라이드 이미지 개체 틀 1"/>
+          <p:cNvSpPr>
+            <a:spLocks noGrp="1" noRot="1" noChangeAspect="1"/>
+          </p:cNvSpPr>
+          <p:nvPr>
+            <p:ph type="sldImg"/>
+          </p:nvPr>
+        </p:nvSpPr>
+        <p:spPr/>
+      </p:sp>
+      <p:sp>
+        <p:nvSpPr>
+          <p:cNvPr id="3" name="슬라이드 노트 개체 틀 2"/>
+          <p:cNvSpPr>
+            <a:spLocks noGrp="1"/>
+          </p:cNvSpPr>
+          <p:nvPr>
+            <p:ph type="body" idx="1"/>
+          </p:nvPr>
+        </p:nvSpPr>
+        <p:spPr/>
+        <p:txBody>
+          <a:bodyPr/>
+          <a:lstStyle/>
+          <a:p>
+            <a:pPr marL="228600" indent="-228600">
+              <a:buFont typeface="+mj-lt"/>
+              <a:buAutoNum type="arabicPeriod"/>
+            </a:pPr>
+            <a:r>
+              <a:rPr kumimoji="1" lang="en-US" altLang="ko-KR" dirty="0"/>
+              <a:t>Three.js </a:t>
+            </a:r>
+            <a:r>
+              <a:rPr kumimoji="1" lang="ko-KR" altLang="en-US" dirty="0"/>
+              <a:t>의 </a:t>
+            </a:r>
+            <a:r>
+              <a:rPr kumimoji="1" lang="en-US" altLang="ko-KR" dirty="0"/>
+              <a:t>homepage</a:t>
+            </a:r>
+            <a:r>
+              <a:rPr kumimoji="1" lang="ko-KR" altLang="en-US" dirty="0"/>
+              <a:t>는 </a:t>
+            </a:r>
+            <a:r>
+              <a:rPr kumimoji="1" lang="en-US" altLang="ko-KR" dirty="0"/>
+              <a:t>threejs.org </a:t>
+            </a:r>
+            <a:r>
+              <a:rPr kumimoji="1" lang="ko-KR" altLang="en-US" dirty="0"/>
+              <a:t>입니다</a:t>
+            </a:r>
+            <a:r>
+              <a:rPr kumimoji="1" lang="en-US" altLang="ko-KR" dirty="0"/>
+              <a:t>.</a:t>
+            </a:r>
+            <a:r>
+              <a:rPr kumimoji="1" lang="ko-KR" altLang="en-US" dirty="0"/>
+              <a:t> 여기에서 </a:t>
+            </a:r>
+            <a:r>
+              <a:rPr kumimoji="1" lang="en-US" altLang="ko-KR" dirty="0"/>
+              <a:t>three.js </a:t>
+            </a:r>
+            <a:r>
+              <a:rPr kumimoji="1" lang="ko-KR" altLang="en-US" dirty="0"/>
+              <a:t>에 관한 거의 모든 정보들을 얻을 수 있습니다</a:t>
+            </a:r>
+            <a:r>
+              <a:rPr kumimoji="1" lang="en-US" altLang="ko-KR" dirty="0"/>
+              <a:t>.</a:t>
+            </a:r>
+            <a:r>
+              <a:rPr kumimoji="1" lang="ko-KR" altLang="en-US" dirty="0"/>
+              <a:t> </a:t>
+            </a:r>
+            <a:endParaRPr kumimoji="1" lang="en-US" altLang="ko-KR" dirty="0"/>
+          </a:p>
+          <a:p>
+            <a:pPr marL="228600" indent="-228600">
+              <a:buFont typeface="+mj-lt"/>
+              <a:buAutoNum type="arabicPeriod"/>
+            </a:pPr>
+            <a:r>
+              <a:rPr kumimoji="1" lang="ko-KR" altLang="en-US" dirty="0"/>
+              <a:t>먼저 </a:t>
+            </a:r>
+            <a:r>
+              <a:rPr kumimoji="1" lang="en-US" altLang="ko-KR" dirty="0"/>
+              <a:t>main page</a:t>
+            </a:r>
+            <a:r>
+              <a:rPr kumimoji="1" lang="ko-KR" altLang="en-US" dirty="0"/>
+              <a:t>에는 </a:t>
+            </a:r>
+            <a:r>
+              <a:rPr kumimoji="1" lang="en-US" altLang="ko-KR" dirty="0"/>
+              <a:t>three.js</a:t>
+            </a:r>
+            <a:r>
+              <a:rPr kumimoji="1" lang="ko-KR" altLang="en-US" dirty="0"/>
+              <a:t>로 구축된 </a:t>
+            </a:r>
+            <a:r>
+              <a:rPr kumimoji="1" lang="en-US" altLang="ko-KR" dirty="0"/>
+              <a:t>web project</a:t>
+            </a:r>
+            <a:r>
+              <a:rPr kumimoji="1" lang="ko-KR" altLang="en-US" dirty="0"/>
+              <a:t>들 중 선정된 것들을 돌아 볼 수 있도록 되어 있습니다</a:t>
+            </a:r>
+            <a:r>
+              <a:rPr kumimoji="1" lang="en-US" altLang="ko-KR" dirty="0"/>
+              <a:t>.</a:t>
+            </a:r>
+            <a:r>
+              <a:rPr kumimoji="1" lang="ko-KR" altLang="en-US" dirty="0"/>
+              <a:t> 하나하나 경험해 보면 정말 신기한 것들이 많이 있습니다</a:t>
+            </a:r>
+            <a:r>
+              <a:rPr kumimoji="1" lang="en-US" altLang="ko-KR" dirty="0"/>
+              <a:t>.</a:t>
+            </a:r>
+            <a:r>
+              <a:rPr kumimoji="1" lang="ko-KR" altLang="en-US" dirty="0"/>
+              <a:t> </a:t>
+            </a:r>
+            <a:endParaRPr kumimoji="1" lang="en-US" altLang="ko-KR" dirty="0"/>
+          </a:p>
+          <a:p>
+            <a:pPr marL="228600" indent="-228600">
+              <a:buFont typeface="+mj-lt"/>
+              <a:buAutoNum type="arabicPeriod"/>
+            </a:pPr>
+            <a:r>
+              <a:rPr kumimoji="1" lang="ko-KR" altLang="en-US" dirty="0"/>
+              <a:t>또한 </a:t>
+            </a:r>
+            <a:r>
+              <a:rPr kumimoji="1" lang="en-US" altLang="ko-KR" dirty="0"/>
+              <a:t>three.js</a:t>
+            </a:r>
+            <a:r>
+              <a:rPr kumimoji="1" lang="ko-KR" altLang="en-US" dirty="0"/>
+              <a:t>를 사용하는데 필요한 모든 </a:t>
+            </a:r>
+            <a:r>
+              <a:rPr kumimoji="1" lang="en-US" altLang="ko-KR" dirty="0"/>
+              <a:t>documentation, reference manual, tutorial </a:t>
+            </a:r>
+            <a:r>
+              <a:rPr kumimoji="1" lang="ko-KR" altLang="en-US" dirty="0"/>
+              <a:t>등을 가지고 있습니다</a:t>
+            </a:r>
+            <a:r>
+              <a:rPr kumimoji="1" lang="en-US" altLang="ko-KR" dirty="0"/>
+              <a:t>.</a:t>
+            </a:r>
+            <a:r>
+              <a:rPr kumimoji="1" lang="ko-KR" altLang="en-US" dirty="0"/>
+              <a:t> </a:t>
+            </a:r>
+            <a:endParaRPr kumimoji="1" lang="en-US" altLang="ko-KR" dirty="0"/>
+          </a:p>
+          <a:p>
+            <a:pPr marL="228600" indent="-228600">
+              <a:buFont typeface="+mj-lt"/>
+              <a:buAutoNum type="arabicPeriod"/>
+            </a:pPr>
+            <a:r>
+              <a:rPr kumimoji="1" lang="ko-KR" altLang="en-US" dirty="0"/>
+              <a:t>매우 다양한 </a:t>
+            </a:r>
+            <a:r>
+              <a:rPr kumimoji="1" lang="en-US" altLang="ko-KR" dirty="0"/>
+              <a:t>example application</a:t>
+            </a:r>
+            <a:r>
+              <a:rPr kumimoji="1" lang="ko-KR" altLang="en-US" dirty="0"/>
+              <a:t>들이 구현되어 있으며</a:t>
+            </a:r>
+            <a:r>
+              <a:rPr kumimoji="1" lang="en-US" altLang="ko-KR" dirty="0"/>
+              <a:t>,</a:t>
+            </a:r>
+            <a:r>
+              <a:rPr kumimoji="1" lang="ko-KR" altLang="en-US" dirty="0"/>
+              <a:t> 그 </a:t>
+            </a:r>
+            <a:r>
+              <a:rPr kumimoji="1" lang="en-US" altLang="ko-KR" dirty="0"/>
+              <a:t>source code</a:t>
+            </a:r>
+            <a:r>
+              <a:rPr kumimoji="1" lang="ko-KR" altLang="en-US" dirty="0"/>
+              <a:t>까지 모두 제공하고 있습니다</a:t>
+            </a:r>
+            <a:r>
+              <a:rPr kumimoji="1" lang="en-US" altLang="ko-KR" dirty="0"/>
+              <a:t>.</a:t>
+            </a:r>
+            <a:r>
+              <a:rPr kumimoji="1" lang="ko-KR" altLang="en-US" dirty="0"/>
+              <a:t> </a:t>
+            </a:r>
+            <a:endParaRPr kumimoji="1" lang="en-US" altLang="ko-KR" dirty="0"/>
+          </a:p>
+          <a:p>
+            <a:pPr marL="228600" indent="-228600">
+              <a:buFont typeface="+mj-lt"/>
+              <a:buAutoNum type="arabicPeriod"/>
+            </a:pPr>
+            <a:r>
+              <a:rPr kumimoji="1" lang="en-US" altLang="ko-KR" dirty="0"/>
+              <a:t>Three.js</a:t>
+            </a:r>
+            <a:r>
+              <a:rPr kumimoji="1" lang="ko-KR" altLang="en-US" dirty="0"/>
+              <a:t>의 이용자는 급격히 증가해 왔으며</a:t>
+            </a:r>
+            <a:r>
+              <a:rPr kumimoji="1" lang="en-US" altLang="ko-KR" dirty="0"/>
+              <a:t>,</a:t>
+            </a:r>
+            <a:r>
+              <a:rPr kumimoji="1" lang="ko-KR" altLang="en-US" dirty="0"/>
+              <a:t> 개발자들이 서로 도움을 주고 받을 수 있는 </a:t>
+            </a:r>
+            <a:r>
+              <a:rPr kumimoji="1" lang="en-US" altLang="ko-KR" dirty="0"/>
+              <a:t>community</a:t>
+            </a:r>
+            <a:r>
+              <a:rPr kumimoji="1" lang="ko-KR" altLang="en-US" dirty="0"/>
+              <a:t>도 있습니다</a:t>
+            </a:r>
+            <a:r>
+              <a:rPr kumimoji="1" lang="en-US" altLang="ko-KR" dirty="0"/>
+              <a:t>.</a:t>
+            </a:r>
+            <a:r>
+              <a:rPr kumimoji="1" lang="ko-KR" altLang="en-US" dirty="0"/>
+              <a:t> </a:t>
+            </a:r>
+            <a:endParaRPr kumimoji="1" lang="en-US" altLang="ko-KR" dirty="0"/>
+          </a:p>
+          <a:p>
+            <a:pPr marL="228600" indent="-228600">
+              <a:buFont typeface="+mj-lt"/>
+              <a:buAutoNum type="arabicPeriod"/>
+            </a:pPr>
+            <a:r>
+              <a:rPr kumimoji="1" lang="ko-KR" altLang="en-US" dirty="0"/>
+              <a:t>당연하게도 </a:t>
+            </a:r>
+            <a:r>
+              <a:rPr kumimoji="1" lang="en-US" altLang="ko-KR" dirty="0"/>
+              <a:t>three.js</a:t>
+            </a:r>
+            <a:r>
+              <a:rPr kumimoji="1" lang="ko-KR" altLang="en-US" dirty="0"/>
+              <a:t> </a:t>
+            </a:r>
+            <a:r>
+              <a:rPr kumimoji="1" lang="en-US" altLang="ko-KR" dirty="0"/>
+              <a:t>library</a:t>
+            </a:r>
+            <a:r>
+              <a:rPr kumimoji="1" lang="ko-KR" altLang="en-US" dirty="0"/>
+              <a:t>를 </a:t>
+            </a:r>
+            <a:r>
+              <a:rPr kumimoji="1" lang="en-US" altLang="ko-KR" dirty="0"/>
+              <a:t>WebGL</a:t>
+            </a:r>
+            <a:r>
+              <a:rPr kumimoji="1" lang="ko-KR" altLang="en-US" dirty="0"/>
+              <a:t>로 구현한 </a:t>
+            </a:r>
+            <a:r>
+              <a:rPr kumimoji="1" lang="en-US" altLang="ko-KR" dirty="0"/>
+              <a:t>source code</a:t>
+            </a:r>
+            <a:r>
+              <a:rPr kumimoji="1" lang="ko-KR" altLang="en-US" dirty="0"/>
+              <a:t>도 포함하고 있습니다</a:t>
+            </a:r>
+            <a:r>
+              <a:rPr kumimoji="1" lang="en-US" altLang="ko-KR" dirty="0"/>
+              <a:t>.</a:t>
+            </a:r>
+            <a:r>
+              <a:rPr kumimoji="1" lang="ko-KR" altLang="en-US" dirty="0"/>
+              <a:t> </a:t>
+            </a:r>
+            <a:endParaRPr kumimoji="1" lang="en-US" altLang="ko-KR" dirty="0"/>
+          </a:p>
+          <a:p>
+            <a:pPr marL="228600" indent="-228600">
+              <a:buFont typeface="+mj-lt"/>
+              <a:buAutoNum type="arabicPeriod"/>
+            </a:pPr>
+            <a:endParaRPr kumimoji="1" lang="ko-KR" altLang="en-US" dirty="0"/>
+          </a:p>
+        </p:txBody>
+      </p:sp>
+      <p:sp>
+        <p:nvSpPr>
+          <p:cNvPr id="4" name="슬라이드 번호 개체 틀 3"/>
+          <p:cNvSpPr>
+            <a:spLocks noGrp="1"/>
+          </p:cNvSpPr>
+          <p:nvPr>
+            <p:ph type="sldNum" sz="quarter" idx="5"/>
+          </p:nvPr>
+        </p:nvSpPr>
+        <p:spPr/>
+        <p:txBody>
+          <a:bodyPr/>
+          <a:lstStyle/>
+          <a:p>
+            <a:fld id="{515CD10E-49FF-8C40-B7F3-CA6239B459A9}" type="slidenum">
+              <a:rPr kumimoji="1" lang="ko-KR" altLang="en-US" smtClean="0"/>
+              <a:t>3</a:t>
+            </a:fld>
+            <a:endParaRPr kumimoji="1" lang="ko-KR" altLang="en-US"/>
+          </a:p>
+        </p:txBody>
+      </p:sp>
+    </p:spTree>
+    <p:extLst>
+      <p:ext uri="{BB962C8B-B14F-4D97-AF65-F5344CB8AC3E}">
+        <p14:creationId xmlns:p14="http://schemas.microsoft.com/office/powerpoint/2010/main" val="3953496699"/>
+      </p:ext>
+    </p:extLst>
+  </p:cSld>
+  <p:clrMapOvr>
+    <a:masterClrMapping/>
+  </p:clrMapOvr>
+</p:notes>
+</file>
+
+<file path=ppt/notesSlides/notesSlide4.xml><?xml version="1.0" encoding="utf-8"?>
+<p:notes xmlns:a="http://schemas.openxmlformats.org/drawingml/2006/main" xmlns:r="http://schemas.openxmlformats.org/officeDocument/2006/relationships" xmlns:p="http://schemas.openxmlformats.org/presentationml/2006/main">
+  <p:cSld>
+    <p:spTree>
+      <p:nvGrpSpPr>
+        <p:cNvPr id="1" name=""/>
+        <p:cNvGrpSpPr/>
+        <p:nvPr/>
+      </p:nvGrpSpPr>
+      <p:grpSpPr>
+        <a:xfrm>
+          <a:off x="0" y="0"/>
+          <a:ext cx="0" cy="0"/>
+          <a:chOff x="0" y="0"/>
+          <a:chExt cx="0" cy="0"/>
+        </a:xfrm>
+      </p:grpSpPr>
+      <p:sp>
+        <p:nvSpPr>
+          <p:cNvPr id="2" name="슬라이드 이미지 개체 틀 1"/>
+          <p:cNvSpPr>
+            <a:spLocks noGrp="1" noRot="1" noChangeAspect="1"/>
+          </p:cNvSpPr>
+          <p:nvPr>
+            <p:ph type="sldImg"/>
+          </p:nvPr>
+        </p:nvSpPr>
+        <p:spPr/>
+      </p:sp>
+      <p:sp>
+        <p:nvSpPr>
+          <p:cNvPr id="3" name="슬라이드 노트 개체 틀 2"/>
+          <p:cNvSpPr>
+            <a:spLocks noGrp="1"/>
+          </p:cNvSpPr>
+          <p:nvPr>
+            <p:ph type="body" idx="1"/>
+          </p:nvPr>
+        </p:nvSpPr>
+        <p:spPr/>
+        <p:txBody>
+          <a:bodyPr/>
+          <a:lstStyle/>
+          <a:p>
+            <a:r>
+              <a:rPr kumimoji="1" lang="ko-KR" altLang="en-US" dirty="0"/>
+              <a:t>이제 </a:t>
+            </a:r>
+            <a:r>
+              <a:rPr kumimoji="1" lang="en-US" altLang="ko-KR" dirty="0"/>
+              <a:t>Example</a:t>
+            </a:r>
+            <a:r>
+              <a:rPr kumimoji="1" lang="ko-KR" altLang="en-US" dirty="0"/>
+              <a:t>로 이동하여 </a:t>
+            </a:r>
+            <a:r>
+              <a:rPr kumimoji="1" lang="en-US" altLang="ko-KR" dirty="0"/>
+              <a:t>source code</a:t>
+            </a:r>
+            <a:r>
+              <a:rPr kumimoji="1" lang="ko-KR" altLang="en-US" dirty="0"/>
+              <a:t>가 제공되는 많은 </a:t>
+            </a:r>
+            <a:r>
+              <a:rPr kumimoji="1" lang="en-US" altLang="ko-KR" dirty="0"/>
+              <a:t>example</a:t>
+            </a:r>
+            <a:r>
+              <a:rPr kumimoji="1" lang="ko-KR" altLang="en-US" dirty="0"/>
+              <a:t>들을 실행하여 볼 수 있습니다</a:t>
+            </a:r>
+            <a:r>
+              <a:rPr kumimoji="1" lang="en-US" altLang="ko-KR" dirty="0"/>
+              <a:t>.</a:t>
+            </a:r>
+            <a:r>
+              <a:rPr kumimoji="1" lang="ko-KR" altLang="en-US" dirty="0"/>
+              <a:t> 맨 오른쪽 아래의 </a:t>
+            </a:r>
+            <a:r>
+              <a:rPr kumimoji="1" lang="en-US" altLang="ko-KR" dirty="0"/>
+              <a:t>button</a:t>
+            </a:r>
+            <a:r>
+              <a:rPr kumimoji="1" lang="ko-KR" altLang="en-US" dirty="0"/>
+              <a:t>을 누르면 해당 </a:t>
+            </a:r>
+            <a:r>
+              <a:rPr kumimoji="1" lang="en-US" altLang="ko-KR" dirty="0"/>
+              <a:t>example</a:t>
+            </a:r>
+            <a:r>
+              <a:rPr kumimoji="1" lang="ko-KR" altLang="en-US" dirty="0"/>
+              <a:t>의 </a:t>
+            </a:r>
+            <a:r>
+              <a:rPr kumimoji="1" lang="en-US" altLang="ko-KR" dirty="0"/>
+              <a:t>source code</a:t>
+            </a:r>
+            <a:r>
+              <a:rPr kumimoji="1" lang="ko-KR" altLang="en-US" dirty="0"/>
+              <a:t>가 있는 </a:t>
+            </a:r>
+            <a:r>
+              <a:rPr kumimoji="1" lang="en-US" altLang="ko-KR" dirty="0"/>
+              <a:t>GitHub page</a:t>
+            </a:r>
+            <a:r>
+              <a:rPr kumimoji="1" lang="ko-KR" altLang="en-US" dirty="0"/>
+              <a:t>로 이동할 수 있습니다</a:t>
+            </a:r>
+            <a:r>
+              <a:rPr kumimoji="1" lang="en-US" altLang="ko-KR" dirty="0"/>
+              <a:t>.</a:t>
+            </a:r>
+            <a:r>
+              <a:rPr kumimoji="1" lang="ko-KR" altLang="en-US" dirty="0"/>
+              <a:t> </a:t>
+            </a:r>
+          </a:p>
+        </p:txBody>
+      </p:sp>
+      <p:sp>
+        <p:nvSpPr>
+          <p:cNvPr id="4" name="슬라이드 번호 개체 틀 3"/>
+          <p:cNvSpPr>
+            <a:spLocks noGrp="1"/>
+          </p:cNvSpPr>
+          <p:nvPr>
+            <p:ph type="sldNum" sz="quarter" idx="5"/>
+          </p:nvPr>
+        </p:nvSpPr>
+        <p:spPr/>
+        <p:txBody>
+          <a:bodyPr/>
+          <a:lstStyle/>
+          <a:p>
+            <a:fld id="{515CD10E-49FF-8C40-B7F3-CA6239B459A9}" type="slidenum">
+              <a:rPr kumimoji="1" lang="ko-KR" altLang="en-US" smtClean="0"/>
+              <a:t>4</a:t>
+            </a:fld>
+            <a:endParaRPr kumimoji="1" lang="ko-KR" altLang="en-US"/>
+          </a:p>
+        </p:txBody>
+      </p:sp>
+    </p:spTree>
+    <p:extLst>
+      <p:ext uri="{BB962C8B-B14F-4D97-AF65-F5344CB8AC3E}">
+        <p14:creationId xmlns:p14="http://schemas.microsoft.com/office/powerpoint/2010/main" val="930677982"/>
+      </p:ext>
+    </p:extLst>
+  </p:cSld>
+  <p:clrMapOvr>
+    <a:masterClrMapping/>
+  </p:clrMapOvr>
+</p:notes>
+</file>
+
+<file path=ppt/notesSlides/notesSlide5.xml><?xml version="1.0" encoding="utf-8"?>
+<p:notes xmlns:a="http://schemas.openxmlformats.org/drawingml/2006/main" xmlns:r="http://schemas.openxmlformats.org/officeDocument/2006/relationships" xmlns:p="http://schemas.openxmlformats.org/presentationml/2006/main">
+  <p:cSld>
+    <p:spTree>
+      <p:nvGrpSpPr>
+        <p:cNvPr id="1" name=""/>
+        <p:cNvGrpSpPr/>
+        <p:nvPr/>
+      </p:nvGrpSpPr>
+      <p:grpSpPr>
+        <a:xfrm>
+          <a:off x="0" y="0"/>
+          <a:ext cx="0" cy="0"/>
+          <a:chOff x="0" y="0"/>
+          <a:chExt cx="0" cy="0"/>
+        </a:xfrm>
+      </p:grpSpPr>
+      <p:sp>
+        <p:nvSpPr>
+          <p:cNvPr id="2" name="슬라이드 이미지 개체 틀 1"/>
+          <p:cNvSpPr>
+            <a:spLocks noGrp="1" noRot="1" noChangeAspect="1"/>
+          </p:cNvSpPr>
+          <p:nvPr>
+            <p:ph type="sldImg"/>
+          </p:nvPr>
+        </p:nvSpPr>
+        <p:spPr/>
+      </p:sp>
+      <p:sp>
+        <p:nvSpPr>
+          <p:cNvPr id="3" name="슬라이드 노트 개체 틀 2"/>
+          <p:cNvSpPr>
+            <a:spLocks noGrp="1"/>
+          </p:cNvSpPr>
+          <p:nvPr>
+            <p:ph type="body" idx="1"/>
+          </p:nvPr>
+        </p:nvSpPr>
+        <p:spPr/>
+        <p:txBody>
+          <a:bodyPr/>
+          <a:lstStyle/>
+          <a:p>
+            <a:r>
+              <a:rPr kumimoji="1" lang="ko-KR" altLang="en-US" dirty="0"/>
+              <a:t>우리의 수업시간에 사용할 </a:t>
+            </a:r>
+            <a:r>
+              <a:rPr kumimoji="1" lang="en-US" altLang="ko-KR" dirty="0"/>
+              <a:t>example code</a:t>
+            </a:r>
+            <a:r>
+              <a:rPr kumimoji="1" lang="ko-KR" altLang="en-US" dirty="0"/>
+              <a:t>들은 이 주소의 </a:t>
+            </a:r>
+            <a:r>
+              <a:rPr kumimoji="1" lang="en-US" altLang="ko-KR" dirty="0"/>
+              <a:t>Github page</a:t>
+            </a:r>
+            <a:r>
+              <a:rPr kumimoji="1" lang="ko-KR" altLang="en-US" dirty="0"/>
+              <a:t>에서 다운로드 할 수 있습니다</a:t>
+            </a:r>
+            <a:r>
+              <a:rPr kumimoji="1" lang="en-US" altLang="ko-KR" dirty="0"/>
+              <a:t>.</a:t>
+            </a:r>
+            <a:r>
+              <a:rPr kumimoji="1" lang="ko-KR" altLang="en-US" dirty="0"/>
+              <a:t> </a:t>
+            </a:r>
+          </a:p>
+        </p:txBody>
+      </p:sp>
+      <p:sp>
+        <p:nvSpPr>
+          <p:cNvPr id="4" name="슬라이드 번호 개체 틀 3"/>
+          <p:cNvSpPr>
+            <a:spLocks noGrp="1"/>
+          </p:cNvSpPr>
+          <p:nvPr>
+            <p:ph type="sldNum" sz="quarter" idx="5"/>
+          </p:nvPr>
+        </p:nvSpPr>
+        <p:spPr/>
+        <p:txBody>
+          <a:bodyPr/>
+          <a:lstStyle/>
+          <a:p>
+            <a:fld id="{515CD10E-49FF-8C40-B7F3-CA6239B459A9}" type="slidenum">
+              <a:rPr kumimoji="1" lang="ko-KR" altLang="en-US" smtClean="0"/>
+              <a:t>5</a:t>
+            </a:fld>
+            <a:endParaRPr kumimoji="1" lang="ko-KR" altLang="en-US"/>
+          </a:p>
+        </p:txBody>
+      </p:sp>
+    </p:spTree>
+    <p:extLst>
+      <p:ext uri="{BB962C8B-B14F-4D97-AF65-F5344CB8AC3E}">
+        <p14:creationId xmlns:p14="http://schemas.microsoft.com/office/powerpoint/2010/main" val="1743848790"/>
+      </p:ext>
+    </p:extLst>
+  </p:cSld>
+  <p:clrMapOvr>
+    <a:masterClrMapping/>
+  </p:clrMapOvr>
+</p:notes>
+</file>
+
+<file path=ppt/notesSlides/notesSlide6.xml><?xml version="1.0" encoding="utf-8"?>
+<p:notes xmlns:a="http://schemas.openxmlformats.org/drawingml/2006/main" xmlns:r="http://schemas.openxmlformats.org/officeDocument/2006/relationships" xmlns:p="http://schemas.openxmlformats.org/presentationml/2006/main">
+  <p:cSld>
+    <p:spTree>
+      <p:nvGrpSpPr>
+        <p:cNvPr id="1" name=""/>
+        <p:cNvGrpSpPr/>
+        <p:nvPr/>
+      </p:nvGrpSpPr>
+      <p:grpSpPr>
+        <a:xfrm>
+          <a:off x="0" y="0"/>
+          <a:ext cx="0" cy="0"/>
+          <a:chOff x="0" y="0"/>
+          <a:chExt cx="0" cy="0"/>
+        </a:xfrm>
+      </p:grpSpPr>
+      <p:sp>
+        <p:nvSpPr>
+          <p:cNvPr id="2" name="슬라이드 이미지 개체 틀 1"/>
+          <p:cNvSpPr>
+            <a:spLocks noGrp="1" noRot="1" noChangeAspect="1"/>
+          </p:cNvSpPr>
+          <p:nvPr>
+            <p:ph type="sldImg"/>
+          </p:nvPr>
+        </p:nvSpPr>
+        <p:spPr/>
+      </p:sp>
+      <p:sp>
+        <p:nvSpPr>
+          <p:cNvPr id="3" name="슬라이드 노트 개체 틀 2"/>
+          <p:cNvSpPr>
+            <a:spLocks noGrp="1"/>
+          </p:cNvSpPr>
+          <p:nvPr>
+            <p:ph type="body" idx="1"/>
+          </p:nvPr>
+        </p:nvSpPr>
+        <p:spPr/>
+        <p:txBody>
+          <a:bodyPr/>
+          <a:lstStyle/>
+          <a:p>
+            <a:pPr marL="228600" indent="-228600">
+              <a:buFont typeface="+mj-lt"/>
+              <a:buAutoNum type="arabicPeriod"/>
+            </a:pPr>
+            <a:r>
+              <a:rPr kumimoji="1" lang="en-US" altLang="ko-KR" dirty="0"/>
+              <a:t>Three.js</a:t>
+            </a:r>
+            <a:r>
+              <a:rPr kumimoji="1" lang="ko-KR" altLang="en-US" dirty="0"/>
+              <a:t>의 </a:t>
+            </a:r>
+            <a:r>
+              <a:rPr kumimoji="1" lang="en-US" altLang="ko-KR" dirty="0"/>
+              <a:t>Mesh</a:t>
+            </a:r>
+            <a:r>
+              <a:rPr kumimoji="1" lang="ko-KR" altLang="en-US" dirty="0"/>
+              <a:t>는 </a:t>
+            </a:r>
+            <a:r>
+              <a:rPr kumimoji="1" lang="en-US" altLang="ko-KR" dirty="0"/>
+              <a:t>Geometry</a:t>
+            </a:r>
+            <a:r>
+              <a:rPr kumimoji="1" lang="ko-KR" altLang="en-US" dirty="0"/>
+              <a:t>와 </a:t>
+            </a:r>
+            <a:r>
+              <a:rPr kumimoji="1" lang="en-US" altLang="ko-KR" dirty="0"/>
+              <a:t>Material</a:t>
+            </a:r>
+            <a:r>
+              <a:rPr kumimoji="1" lang="ko-KR" altLang="en-US" dirty="0"/>
+              <a:t>로 구성된 하나의 </a:t>
+            </a:r>
+            <a:r>
+              <a:rPr kumimoji="1" lang="en-US" altLang="ko-KR" dirty="0"/>
+              <a:t>object </a:t>
+            </a:r>
+            <a:r>
+              <a:rPr kumimoji="1" lang="ko-KR" altLang="en-US" dirty="0"/>
+              <a:t>단위를 말합니다</a:t>
+            </a:r>
+            <a:r>
+              <a:rPr kumimoji="1" lang="en-US" altLang="ko-KR" dirty="0"/>
+              <a:t>.</a:t>
+            </a:r>
+            <a:r>
+              <a:rPr kumimoji="1" lang="ko-KR" altLang="en-US" dirty="0"/>
+              <a:t> </a:t>
+            </a:r>
+            <a:r>
+              <a:rPr kumimoji="1" lang="en-US" altLang="ko-KR" dirty="0"/>
+              <a:t>Geometry</a:t>
+            </a:r>
+            <a:r>
+              <a:rPr kumimoji="1" lang="ko-KR" altLang="en-US" dirty="0"/>
+              <a:t>는 말 그대로 </a:t>
+            </a:r>
+            <a:r>
+              <a:rPr kumimoji="1" lang="en-US" altLang="ko-KR" dirty="0"/>
+              <a:t>vertex, face </a:t>
+            </a:r>
+            <a:r>
+              <a:rPr kumimoji="1" lang="ko-KR" altLang="en-US" dirty="0"/>
+              <a:t>등으로 구성된 </a:t>
+            </a:r>
+            <a:r>
+              <a:rPr kumimoji="1" lang="en-US" altLang="ko-KR" dirty="0"/>
+              <a:t>modeling data</a:t>
+            </a:r>
+            <a:r>
+              <a:rPr kumimoji="1" lang="ko-KR" altLang="en-US" dirty="0"/>
+              <a:t>를 말하며</a:t>
+            </a:r>
+            <a:r>
+              <a:rPr kumimoji="1" lang="en-US" altLang="ko-KR" dirty="0"/>
+              <a:t>,</a:t>
+            </a:r>
+            <a:r>
+              <a:rPr kumimoji="1" lang="ko-KR" altLang="en-US" dirty="0"/>
+              <a:t> </a:t>
+            </a:r>
+            <a:r>
+              <a:rPr kumimoji="1" lang="en-US" altLang="ko-KR" dirty="0"/>
+              <a:t>Material</a:t>
+            </a:r>
+            <a:r>
+              <a:rPr kumimoji="1" lang="ko-KR" altLang="en-US" dirty="0"/>
+              <a:t>은 </a:t>
+            </a:r>
+            <a:r>
+              <a:rPr kumimoji="1" lang="en-US" altLang="ko-KR" dirty="0"/>
+              <a:t>color</a:t>
+            </a:r>
+            <a:r>
+              <a:rPr kumimoji="1" lang="ko-KR" altLang="en-US" dirty="0"/>
+              <a:t>와 </a:t>
+            </a:r>
+            <a:r>
+              <a:rPr kumimoji="1" lang="en-US" altLang="ko-KR" dirty="0"/>
+              <a:t>texture</a:t>
+            </a:r>
+            <a:r>
+              <a:rPr kumimoji="1" lang="ko-KR" altLang="en-US" dirty="0"/>
+              <a:t> 등을 포함하는 </a:t>
+            </a:r>
+            <a:r>
+              <a:rPr kumimoji="1" lang="en-US" altLang="ko-KR" dirty="0"/>
+              <a:t>rendering </a:t>
+            </a:r>
+            <a:r>
+              <a:rPr kumimoji="1" lang="ko-KR" altLang="en-US" dirty="0"/>
+              <a:t>정보를 가지고 있습니다</a:t>
+            </a:r>
+            <a:r>
+              <a:rPr kumimoji="1" lang="en-US" altLang="ko-KR" dirty="0"/>
+              <a:t>.</a:t>
+            </a:r>
+            <a:r>
+              <a:rPr kumimoji="1" lang="ko-KR" altLang="en-US" dirty="0"/>
+              <a:t> </a:t>
+            </a:r>
+            <a:endParaRPr kumimoji="1" lang="en-US" altLang="ko-KR" dirty="0"/>
+          </a:p>
+          <a:p>
+            <a:pPr marL="228600" indent="-228600">
+              <a:buFont typeface="+mj-lt"/>
+              <a:buAutoNum type="arabicPeriod"/>
+            </a:pPr>
+            <a:r>
+              <a:rPr kumimoji="1" lang="en-US" altLang="ko-KR" dirty="0"/>
+              <a:t>Object3D, Group, Mesh,</a:t>
+            </a:r>
+            <a:r>
+              <a:rPr kumimoji="1" lang="ko-KR" altLang="en-US" dirty="0"/>
+              <a:t> </a:t>
+            </a:r>
+            <a:r>
+              <a:rPr kumimoji="1" lang="en-US" altLang="ko-KR" dirty="0"/>
+              <a:t>Light, Camera</a:t>
+            </a:r>
+            <a:r>
+              <a:rPr kumimoji="1" lang="ko-KR" altLang="en-US" dirty="0"/>
+              <a:t>를 </a:t>
+            </a:r>
+            <a:r>
+              <a:rPr kumimoji="1" lang="en-US" altLang="ko-KR" dirty="0"/>
+              <a:t>Scene</a:t>
+            </a:r>
+            <a:r>
+              <a:rPr kumimoji="1" lang="ko-KR" altLang="en-US" dirty="0"/>
+              <a:t>의 </a:t>
+            </a:r>
+            <a:r>
+              <a:rPr kumimoji="1" lang="en-US" altLang="ko-KR" dirty="0"/>
+              <a:t>children</a:t>
+            </a:r>
+            <a:r>
+              <a:rPr kumimoji="1" lang="ko-KR" altLang="en-US" dirty="0" err="1"/>
+              <a:t>으로</a:t>
+            </a:r>
+            <a:r>
+              <a:rPr kumimoji="1" lang="ko-KR" altLang="en-US" dirty="0"/>
+              <a:t> </a:t>
+            </a:r>
+            <a:r>
+              <a:rPr kumimoji="1" lang="en-US" altLang="ko-KR" dirty="0"/>
+              <a:t>add</a:t>
+            </a:r>
+            <a:r>
+              <a:rPr kumimoji="1" lang="ko-KR" altLang="en-US" dirty="0"/>
+              <a:t>할 수 있습니다</a:t>
+            </a:r>
+            <a:r>
+              <a:rPr kumimoji="1" lang="en-US" altLang="ko-KR" dirty="0"/>
+              <a:t>.</a:t>
+            </a:r>
+            <a:r>
+              <a:rPr kumimoji="1" lang="ko-KR" altLang="en-US" dirty="0"/>
+              <a:t> </a:t>
+            </a:r>
+            <a:endParaRPr kumimoji="1" lang="en-US" altLang="ko-KR" dirty="0"/>
+          </a:p>
+          <a:p>
+            <a:pPr marL="228600" indent="-228600">
+              <a:buFont typeface="+mj-lt"/>
+              <a:buAutoNum type="arabicPeriod"/>
+            </a:pPr>
+            <a:r>
+              <a:rPr kumimoji="1" lang="ko-KR" altLang="en-US" dirty="0"/>
+              <a:t>따라서 </a:t>
+            </a:r>
+            <a:r>
+              <a:rPr kumimoji="1" lang="en-US" altLang="ko-KR" dirty="0"/>
+              <a:t>scene</a:t>
+            </a:r>
+            <a:r>
+              <a:rPr kumimoji="1" lang="ko-KR" altLang="en-US" dirty="0"/>
+              <a:t>은 </a:t>
+            </a:r>
+            <a:r>
+              <a:rPr kumimoji="1" lang="en-US" altLang="ko-KR" dirty="0"/>
+              <a:t>tree</a:t>
+            </a:r>
+            <a:r>
+              <a:rPr kumimoji="1" lang="ko-KR" altLang="en-US" dirty="0"/>
+              <a:t>구조로 구성되어 있습니다</a:t>
+            </a:r>
+            <a:r>
+              <a:rPr kumimoji="1" lang="en-US" altLang="ko-KR" dirty="0"/>
+              <a:t>.</a:t>
+            </a:r>
+            <a:r>
+              <a:rPr kumimoji="1" lang="ko-KR" altLang="en-US" dirty="0"/>
+              <a:t> </a:t>
+            </a:r>
+            <a:endParaRPr kumimoji="1" lang="en-US" altLang="ko-KR" dirty="0"/>
+          </a:p>
+          <a:p>
+            <a:pPr marL="228600" marR="0" lvl="0" indent="-228600" algn="l" defTabSz="914400" rtl="0" eaLnBrk="1" fontAlgn="auto" latinLnBrk="1" hangingPunct="1">
+              <a:lnSpc>
+                <a:spcPct val="100000"/>
+              </a:lnSpc>
+              <a:spcBef>
+                <a:spcPts val="0"/>
+              </a:spcBef>
+              <a:spcAft>
+                <a:spcPts val="0"/>
+              </a:spcAft>
+              <a:buClrTx/>
+              <a:buSzTx/>
+              <a:buFont typeface="+mj-lt"/>
+              <a:buAutoNum type="arabicPeriod"/>
+              <a:tabLst/>
+              <a:defRPr/>
+            </a:pPr>
+            <a:r>
+              <a:rPr kumimoji="1" lang="en-US" altLang="ko-KR" dirty="0">
+                <a:latin typeface="Pretendard" panose="02000503000000020004" pitchFamily="2" charset="-127"/>
+                <a:ea typeface="Pretendard" panose="02000503000000020004" pitchFamily="2" charset="-127"/>
+                <a:cs typeface="Pretendard" panose="02000503000000020004" pitchFamily="2" charset="-127"/>
+              </a:rPr>
+              <a:t>Scene</a:t>
+            </a:r>
+            <a:r>
+              <a:rPr kumimoji="1" lang="ko-KR" altLang="en-US" dirty="0">
+                <a:latin typeface="Pretendard" panose="02000503000000020004" pitchFamily="2" charset="-127"/>
+                <a:ea typeface="Pretendard" panose="02000503000000020004" pitchFamily="2" charset="-127"/>
+                <a:cs typeface="Pretendard" panose="02000503000000020004" pitchFamily="2" charset="-127"/>
+              </a:rPr>
+              <a:t>은 </a:t>
+            </a:r>
+            <a:r>
+              <a:rPr kumimoji="1" lang="en-US" altLang="ko-KR" dirty="0">
+                <a:latin typeface="Pretendard" panose="02000503000000020004" pitchFamily="2" charset="-127"/>
+                <a:ea typeface="Pretendard" panose="02000503000000020004" pitchFamily="2" charset="-127"/>
+                <a:cs typeface="Pretendard" panose="02000503000000020004" pitchFamily="2" charset="-127"/>
+              </a:rPr>
+              <a:t>Renderer</a:t>
+            </a:r>
+            <a:r>
+              <a:rPr kumimoji="1" lang="ko-KR" altLang="en-US" dirty="0">
+                <a:latin typeface="Pretendard" panose="02000503000000020004" pitchFamily="2" charset="-127"/>
+                <a:ea typeface="Pretendard" panose="02000503000000020004" pitchFamily="2" charset="-127"/>
+                <a:cs typeface="Pretendard" panose="02000503000000020004" pitchFamily="2" charset="-127"/>
+              </a:rPr>
+              <a:t>를 이용하여 </a:t>
+            </a:r>
+            <a:r>
+              <a:rPr kumimoji="1" lang="en-US" altLang="ko-KR" dirty="0">
+                <a:latin typeface="Pretendard" panose="02000503000000020004" pitchFamily="2" charset="-127"/>
+                <a:ea typeface="Pretendard" panose="02000503000000020004" pitchFamily="2" charset="-127"/>
+                <a:cs typeface="Pretendard" panose="02000503000000020004" pitchFamily="2" charset="-127"/>
+              </a:rPr>
+              <a:t>rendering</a:t>
+            </a:r>
+            <a:r>
+              <a:rPr kumimoji="1" lang="ko-KR" altLang="en-US" dirty="0">
+                <a:latin typeface="Pretendard" panose="02000503000000020004" pitchFamily="2" charset="-127"/>
+                <a:ea typeface="Pretendard" panose="02000503000000020004" pitchFamily="2" charset="-127"/>
+                <a:cs typeface="Pretendard" panose="02000503000000020004" pitchFamily="2" charset="-127"/>
+              </a:rPr>
+              <a:t>되며</a:t>
+            </a:r>
+            <a:r>
+              <a:rPr kumimoji="1" lang="en-US" altLang="ko-KR" dirty="0">
+                <a:latin typeface="Pretendard" panose="02000503000000020004" pitchFamily="2" charset="-127"/>
+                <a:ea typeface="Pretendard" panose="02000503000000020004" pitchFamily="2" charset="-127"/>
+                <a:cs typeface="Pretendard" panose="02000503000000020004" pitchFamily="2" charset="-127"/>
+              </a:rPr>
+              <a:t>,</a:t>
+            </a:r>
+            <a:r>
+              <a:rPr kumimoji="1" lang="ko-KR" altLang="en-US" dirty="0">
+                <a:latin typeface="Pretendard" panose="02000503000000020004" pitchFamily="2" charset="-127"/>
+                <a:ea typeface="Pretendard" panose="02000503000000020004" pitchFamily="2" charset="-127"/>
+                <a:cs typeface="Pretendard" panose="02000503000000020004" pitchFamily="2" charset="-127"/>
+              </a:rPr>
+              <a:t> </a:t>
+            </a:r>
+            <a:r>
+              <a:rPr kumimoji="1" lang="en-US" altLang="ko-KR" dirty="0">
+                <a:latin typeface="Pretendard" panose="02000503000000020004" pitchFamily="2" charset="-127"/>
+                <a:ea typeface="Pretendard" panose="02000503000000020004" pitchFamily="2" charset="-127"/>
+                <a:cs typeface="Pretendard" panose="02000503000000020004" pitchFamily="2" charset="-127"/>
+              </a:rPr>
+              <a:t>Renderer</a:t>
+            </a:r>
+            <a:r>
+              <a:rPr kumimoji="1" lang="ko-KR" altLang="en-US" dirty="0">
+                <a:latin typeface="Pretendard" panose="02000503000000020004" pitchFamily="2" charset="-127"/>
+                <a:ea typeface="Pretendard" panose="02000503000000020004" pitchFamily="2" charset="-127"/>
+                <a:cs typeface="Pretendard" panose="02000503000000020004" pitchFamily="2" charset="-127"/>
+              </a:rPr>
+              <a:t>는 </a:t>
+            </a:r>
+            <a:r>
+              <a:rPr kumimoji="1" lang="en-US" altLang="ko-KR" dirty="0">
+                <a:latin typeface="Pretendard" panose="02000503000000020004" pitchFamily="2" charset="-127"/>
+                <a:ea typeface="Pretendard" panose="02000503000000020004" pitchFamily="2" charset="-127"/>
+                <a:cs typeface="Pretendard" panose="02000503000000020004" pitchFamily="2" charset="-127"/>
+              </a:rPr>
+              <a:t>Three.js</a:t>
+            </a:r>
+            <a:r>
+              <a:rPr kumimoji="1" lang="ko-KR" altLang="en-US" dirty="0">
+                <a:latin typeface="Pretendard" panose="02000503000000020004" pitchFamily="2" charset="-127"/>
+                <a:ea typeface="Pretendard" panose="02000503000000020004" pitchFamily="2" charset="-127"/>
+                <a:cs typeface="Pretendard" panose="02000503000000020004" pitchFamily="2" charset="-127"/>
+              </a:rPr>
+              <a:t>와 </a:t>
+            </a:r>
+            <a:r>
+              <a:rPr kumimoji="1" lang="en-US" altLang="ko-KR" dirty="0">
+                <a:latin typeface="Pretendard" panose="02000503000000020004" pitchFamily="2" charset="-127"/>
+                <a:ea typeface="Pretendard" panose="02000503000000020004" pitchFamily="2" charset="-127"/>
+                <a:cs typeface="Pretendard" panose="02000503000000020004" pitchFamily="2" charset="-127"/>
+              </a:rPr>
+              <a:t>html document</a:t>
+            </a:r>
+            <a:r>
+              <a:rPr kumimoji="1" lang="ko-KR" altLang="en-US" dirty="0">
+                <a:latin typeface="Pretendard" panose="02000503000000020004" pitchFamily="2" charset="-127"/>
+                <a:ea typeface="Pretendard" panose="02000503000000020004" pitchFamily="2" charset="-127"/>
+                <a:cs typeface="Pretendard" panose="02000503000000020004" pitchFamily="2" charset="-127"/>
+              </a:rPr>
+              <a:t>를 연결하는 역할도 하고 있습니다</a:t>
+            </a:r>
+            <a:r>
+              <a:rPr kumimoji="1" lang="en-US" altLang="ko-KR" dirty="0">
+                <a:latin typeface="Pretendard" panose="02000503000000020004" pitchFamily="2" charset="-127"/>
+                <a:ea typeface="Pretendard" panose="02000503000000020004" pitchFamily="2" charset="-127"/>
+                <a:cs typeface="Pretendard" panose="02000503000000020004" pitchFamily="2" charset="-127"/>
+              </a:rPr>
+              <a:t>.</a:t>
+            </a:r>
+            <a:r>
+              <a:rPr kumimoji="1" lang="ko-KR" altLang="en-US" dirty="0">
+                <a:latin typeface="Pretendard" panose="02000503000000020004" pitchFamily="2" charset="-127"/>
+                <a:ea typeface="Pretendard" panose="02000503000000020004" pitchFamily="2" charset="-127"/>
+                <a:cs typeface="Pretendard" panose="02000503000000020004" pitchFamily="2" charset="-127"/>
+              </a:rPr>
+              <a:t> </a:t>
+            </a:r>
+            <a:endParaRPr kumimoji="1" lang="en-US" altLang="ko-KR" dirty="0"/>
+          </a:p>
+          <a:p>
+            <a:pPr marL="228600" indent="-228600">
+              <a:buFont typeface="+mj-lt"/>
+              <a:buAutoNum type="arabicPeriod"/>
+            </a:pPr>
+            <a:endParaRPr kumimoji="1" lang="ko-KR" altLang="en-US" dirty="0"/>
+          </a:p>
+        </p:txBody>
+      </p:sp>
+      <p:sp>
+        <p:nvSpPr>
+          <p:cNvPr id="4" name="슬라이드 번호 개체 틀 3"/>
+          <p:cNvSpPr>
+            <a:spLocks noGrp="1"/>
+          </p:cNvSpPr>
+          <p:nvPr>
+            <p:ph type="sldNum" sz="quarter" idx="5"/>
+          </p:nvPr>
+        </p:nvSpPr>
+        <p:spPr/>
+        <p:txBody>
+          <a:bodyPr/>
+          <a:lstStyle/>
+          <a:p>
+            <a:fld id="{515CD10E-49FF-8C40-B7F3-CA6239B459A9}" type="slidenum">
+              <a:rPr kumimoji="1" lang="ko-KR" altLang="en-US" smtClean="0"/>
+              <a:t>6</a:t>
+            </a:fld>
+            <a:endParaRPr kumimoji="1" lang="ko-KR" altLang="en-US"/>
+          </a:p>
+        </p:txBody>
+      </p:sp>
+    </p:spTree>
+    <p:extLst>
+      <p:ext uri="{BB962C8B-B14F-4D97-AF65-F5344CB8AC3E}">
+        <p14:creationId xmlns:p14="http://schemas.microsoft.com/office/powerpoint/2010/main" val="2605751892"/>
+      </p:ext>
+    </p:extLst>
+  </p:cSld>
+  <p:clrMapOvr>
+    <a:masterClrMapping/>
+  </p:clrMapOvr>
+</p:notes>
+</file>
+
+<file path=ppt/notesSlides/notesSlide7.xml><?xml version="1.0" encoding="utf-8"?>
+<p:notes xmlns:a="http://schemas.openxmlformats.org/drawingml/2006/main" xmlns:r="http://schemas.openxmlformats.org/officeDocument/2006/relationships" xmlns:p="http://schemas.openxmlformats.org/presentationml/2006/main">
+  <p:cSld>
+    <p:spTree>
+      <p:nvGrpSpPr>
+        <p:cNvPr id="1" name=""/>
+        <p:cNvGrpSpPr/>
+        <p:nvPr/>
+      </p:nvGrpSpPr>
+      <p:grpSpPr>
+        <a:xfrm>
+          <a:off x="0" y="0"/>
+          <a:ext cx="0" cy="0"/>
+          <a:chOff x="0" y="0"/>
+          <a:chExt cx="0" cy="0"/>
+        </a:xfrm>
+      </p:grpSpPr>
+      <p:sp>
+        <p:nvSpPr>
+          <p:cNvPr id="2" name="슬라이드 이미지 개체 틀 1"/>
+          <p:cNvSpPr>
+            <a:spLocks noGrp="1" noRot="1" noChangeAspect="1"/>
+          </p:cNvSpPr>
+          <p:nvPr>
+            <p:ph type="sldImg"/>
+          </p:nvPr>
+        </p:nvSpPr>
+        <p:spPr/>
+      </p:sp>
+      <p:sp>
+        <p:nvSpPr>
+          <p:cNvPr id="3" name="슬라이드 노트 개체 틀 2"/>
+          <p:cNvSpPr>
+            <a:spLocks noGrp="1"/>
+          </p:cNvSpPr>
+          <p:nvPr>
+            <p:ph type="body" idx="1"/>
+          </p:nvPr>
+        </p:nvSpPr>
+        <p:spPr/>
+        <p:txBody>
+          <a:bodyPr/>
+          <a:lstStyle/>
+          <a:p>
+            <a:endParaRPr kumimoji="1" lang="ko-KR" altLang="en-US" dirty="0"/>
+          </a:p>
+        </p:txBody>
+      </p:sp>
+      <p:sp>
+        <p:nvSpPr>
+          <p:cNvPr id="4" name="슬라이드 번호 개체 틀 3"/>
+          <p:cNvSpPr>
+            <a:spLocks noGrp="1"/>
+          </p:cNvSpPr>
+          <p:nvPr>
+            <p:ph type="sldNum" sz="quarter" idx="5"/>
+          </p:nvPr>
+        </p:nvSpPr>
+        <p:spPr/>
+        <p:txBody>
+          <a:bodyPr/>
+          <a:lstStyle/>
+          <a:p>
+            <a:fld id="{515CD10E-49FF-8C40-B7F3-CA6239B459A9}" type="slidenum">
+              <a:rPr kumimoji="1" lang="ko-KR" altLang="en-US" smtClean="0"/>
+              <a:t>7</a:t>
+            </a:fld>
+            <a:endParaRPr kumimoji="1" lang="ko-KR" altLang="en-US"/>
+          </a:p>
+        </p:txBody>
+      </p:sp>
+    </p:spTree>
+    <p:extLst>
+      <p:ext uri="{BB962C8B-B14F-4D97-AF65-F5344CB8AC3E}">
+        <p14:creationId xmlns:p14="http://schemas.microsoft.com/office/powerpoint/2010/main" val="282255638"/>
       </p:ext>
     </p:extLst>
   </p:cSld>
@@ -2874,7 +4432,7 @@
           <p:cNvPr id="2" name="제목 1">
             <a:extLst>
               <a:ext uri="{FF2B5EF4-FFF2-40B4-BE49-F238E27FC236}">
-                <a16:creationId xmlns:a16="http://schemas.microsoft.com/office/drawing/2014/main" id="{E2996974-C9C4-938F-5D93-23631161D7E9}"/>
+                <a16:creationId xmlns:a16="http://schemas.microsoft.com/office/drawing/2014/main" id="{BD774EE1-8144-B89A-F702-BBF56CB35187}"/>
               </a:ext>
             </a:extLst>
           </p:cNvPr>
@@ -2892,7 +4450,7 @@
           <a:p>
             <a:r>
               <a:rPr kumimoji="1" lang="en-US" altLang="ko-KR" dirty="0"/>
-              <a:t>Reference (Not a Textbook)</a:t>
+              <a:t>What is Three.js?</a:t>
             </a:r>
             <a:endParaRPr kumimoji="1" lang="ko-KR" altLang="en-US" dirty="0"/>
           </a:p>
@@ -2903,7 +4461,7 @@
           <p:cNvPr id="3" name="내용 개체 틀 2">
             <a:extLst>
               <a:ext uri="{FF2B5EF4-FFF2-40B4-BE49-F238E27FC236}">
-                <a16:creationId xmlns:a16="http://schemas.microsoft.com/office/drawing/2014/main" id="{AEB113FE-3C79-0B8D-0C3F-4A3FAED7DFBB}"/>
+                <a16:creationId xmlns:a16="http://schemas.microsoft.com/office/drawing/2014/main" id="{48628AB1-4D00-C657-2BCC-B7C185FE994F}"/>
               </a:ext>
             </a:extLst>
           </p:cNvPr>
@@ -2921,16 +4479,132 @@
           <a:p>
             <a:r>
               <a:rPr kumimoji="1" lang="en-US" altLang="ko-KR" dirty="0"/>
-              <a:t>Jos Dirksen, Learn Three.js, 3</a:t>
-            </a:r>
-            <a:r>
-              <a:rPr kumimoji="1" lang="en-US" altLang="ko-KR" baseline="30000" dirty="0"/>
-              <a:t>rd</a:t>
-            </a:r>
-            <a:r>
-              <a:rPr kumimoji="1" lang="en-US" altLang="ko-KR" dirty="0"/>
-              <a:t> Edition, Packt Publishing, 2018.</a:t>
-            </a:r>
+              <a:t>WebGL</a:t>
+            </a:r>
+            <a:r>
+              <a:rPr kumimoji="1" lang="ko-KR" altLang="en-US" dirty="0"/>
+              <a:t>을 바탕으로 구현된 </a:t>
+            </a:r>
+            <a:r>
+              <a:rPr kumimoji="1" lang="en-US" altLang="ko-KR" dirty="0"/>
+              <a:t>3D real-time graphics library</a:t>
+            </a:r>
+          </a:p>
+          <a:p>
+            <a:r>
+              <a:rPr kumimoji="1" lang="en-US" altLang="ko-KR" dirty="0"/>
+              <a:t>WebGL</a:t>
+            </a:r>
+            <a:r>
+              <a:rPr kumimoji="1" lang="ko-KR" altLang="en-US" dirty="0"/>
+              <a:t>로 구현할 수 있는 거의 모든 </a:t>
+            </a:r>
+            <a:r>
+              <a:rPr kumimoji="1" lang="en-US" altLang="ko-KR" dirty="0"/>
+              <a:t>3D graphics </a:t>
+            </a:r>
+            <a:r>
+              <a:rPr kumimoji="1" lang="ko-KR" altLang="en-US" dirty="0"/>
+              <a:t>기술들을 포함</a:t>
+            </a:r>
+            <a:endParaRPr kumimoji="1" lang="en-US" altLang="ko-KR" dirty="0"/>
+          </a:p>
+          <a:p>
+            <a:r>
+              <a:rPr kumimoji="1" lang="en-US" altLang="ko-KR" dirty="0"/>
+              <a:t>WebGL</a:t>
+            </a:r>
+            <a:r>
+              <a:rPr kumimoji="1" lang="ko-KR" altLang="en-US" dirty="0"/>
+              <a:t>이 </a:t>
+            </a:r>
+            <a:r>
+              <a:rPr kumimoji="1" lang="en-US" altLang="ko-KR" dirty="0"/>
+              <a:t>low level </a:t>
+            </a:r>
+            <a:r>
+              <a:rPr kumimoji="1" lang="ko-KR" altLang="en-US" dirty="0"/>
+              <a:t>인 반면</a:t>
+            </a:r>
+            <a:r>
+              <a:rPr kumimoji="1" lang="en-US" altLang="ko-KR" dirty="0"/>
+              <a:t>,</a:t>
+            </a:r>
+            <a:r>
+              <a:rPr kumimoji="1" lang="ko-KR" altLang="en-US" dirty="0"/>
+              <a:t> </a:t>
+            </a:r>
+            <a:r>
+              <a:rPr kumimoji="1" lang="en-US" altLang="ko-KR" dirty="0"/>
+              <a:t>Three.js</a:t>
+            </a:r>
+            <a:r>
+              <a:rPr kumimoji="1" lang="ko-KR" altLang="en-US" dirty="0"/>
+              <a:t>는 </a:t>
+            </a:r>
+            <a:r>
+              <a:rPr kumimoji="1" lang="en-US" altLang="ko-KR" dirty="0"/>
+              <a:t>high level</a:t>
+            </a:r>
+            <a:r>
+              <a:rPr kumimoji="1" lang="ko-KR" altLang="en-US" dirty="0"/>
+              <a:t>에서 쉽게 </a:t>
+            </a:r>
+            <a:r>
+              <a:rPr kumimoji="1" lang="en-US" altLang="ko-KR" dirty="0"/>
+              <a:t>application </a:t>
+            </a:r>
+            <a:r>
+              <a:rPr kumimoji="1" lang="ko-KR" altLang="en-US" dirty="0"/>
+              <a:t>구현이 가능</a:t>
+            </a:r>
+            <a:endParaRPr kumimoji="1" lang="en-US" altLang="ko-KR" dirty="0"/>
+          </a:p>
+          <a:p>
+            <a:r>
+              <a:rPr kumimoji="1" lang="en-US" altLang="ko-KR" dirty="0"/>
+              <a:t>Web browser</a:t>
+            </a:r>
+            <a:r>
+              <a:rPr kumimoji="1" lang="ko-KR" altLang="en-US" dirty="0"/>
+              <a:t>에서 실행 됨</a:t>
+            </a:r>
+            <a:endParaRPr kumimoji="1" lang="en-US" altLang="ko-KR" dirty="0"/>
+          </a:p>
+          <a:p>
+            <a:r>
+              <a:rPr kumimoji="1" lang="en-US" altLang="ko-KR" dirty="0"/>
+              <a:t>Applications:</a:t>
+            </a:r>
+          </a:p>
+          <a:p>
+            <a:pPr lvl="1"/>
+            <a:r>
+              <a:rPr kumimoji="1" lang="en-US" altLang="ko-KR" dirty="0"/>
+              <a:t>Dynamic 3D web pages</a:t>
+            </a:r>
+          </a:p>
+          <a:p>
+            <a:pPr lvl="1"/>
+            <a:r>
+              <a:rPr kumimoji="1" lang="en-US" altLang="ko-KR" dirty="0"/>
+              <a:t>Games</a:t>
+            </a:r>
+          </a:p>
+          <a:p>
+            <a:pPr lvl="1"/>
+            <a:r>
+              <a:rPr kumimoji="1" lang="en-US" altLang="ko-KR" dirty="0"/>
+              <a:t>VR applications</a:t>
+            </a:r>
+          </a:p>
+          <a:p>
+            <a:pPr lvl="1"/>
+            <a:r>
+              <a:rPr kumimoji="1" lang="en-US" altLang="ko-KR" dirty="0"/>
+              <a:t>...</a:t>
+            </a:r>
+            <a:endParaRPr kumimoji="1" lang="ko-KR" altLang="en-US" dirty="0"/>
           </a:p>
         </p:txBody>
       </p:sp>
@@ -2939,7 +4613,7 @@
           <p:cNvPr id="4" name="슬라이드 번호 개체 틀 3">
             <a:extLst>
               <a:ext uri="{FF2B5EF4-FFF2-40B4-BE49-F238E27FC236}">
-                <a16:creationId xmlns:a16="http://schemas.microsoft.com/office/drawing/2014/main" id="{0CCC5321-7DCE-346E-1485-5269FB35228F}"/>
+                <a16:creationId xmlns:a16="http://schemas.microsoft.com/office/drawing/2014/main" id="{F56D7F32-A358-18AF-B5A0-7EA109D45F0E}"/>
               </a:ext>
             </a:extLst>
           </p:cNvPr>
@@ -2966,13 +4640,412 @@
     </p:spTree>
     <p:extLst>
       <p:ext uri="{BB962C8B-B14F-4D97-AF65-F5344CB8AC3E}">
-        <p14:creationId xmlns:p14="http://schemas.microsoft.com/office/powerpoint/2010/main" val="1482021531"/>
+        <p14:creationId xmlns:p14="http://schemas.microsoft.com/office/powerpoint/2010/main" val="3606912489"/>
       </p:ext>
     </p:extLst>
   </p:cSld>
   <p:clrMapOvr>
     <a:masterClrMapping/>
   </p:clrMapOvr>
+  <p:timing>
+    <p:tnLst>
+      <p:par>
+        <p:cTn id="1" dur="indefinite" restart="never" nodeType="tmRoot">
+          <p:childTnLst>
+            <p:seq concurrent="1" nextAc="seek">
+              <p:cTn id="2" dur="indefinite" nodeType="mainSeq">
+                <p:childTnLst>
+                  <p:par>
+                    <p:cTn id="3" fill="hold">
+                      <p:stCondLst>
+                        <p:cond delay="indefinite"/>
+                      </p:stCondLst>
+                      <p:childTnLst>
+                        <p:par>
+                          <p:cTn id="4" fill="hold">
+                            <p:stCondLst>
+                              <p:cond delay="0"/>
+                            </p:stCondLst>
+                            <p:childTnLst>
+                              <p:par>
+                                <p:cTn id="5" presetID="1" presetClass="entr" presetSubtype="0" fill="hold" nodeType="clickEffect">
+                                  <p:stCondLst>
+                                    <p:cond delay="0"/>
+                                  </p:stCondLst>
+                                  <p:childTnLst>
+                                    <p:set>
+                                      <p:cBhvr>
+                                        <p:cTn id="6" dur="1" fill="hold">
+                                          <p:stCondLst>
+                                            <p:cond delay="0"/>
+                                          </p:stCondLst>
+                                        </p:cTn>
+                                        <p:tgtEl>
+                                          <p:spTgt spid="3">
+                                            <p:txEl>
+                                              <p:pRg st="0" end="0"/>
+                                            </p:txEl>
+                                          </p:spTgt>
+                                        </p:tgtEl>
+                                        <p:attrNameLst>
+                                          <p:attrName>style.visibility</p:attrName>
+                                        </p:attrNameLst>
+                                      </p:cBhvr>
+                                      <p:to>
+                                        <p:strVal val="visible"/>
+                                      </p:to>
+                                    </p:set>
+                                  </p:childTnLst>
+                                </p:cTn>
+                              </p:par>
+                            </p:childTnLst>
+                          </p:cTn>
+                        </p:par>
+                      </p:childTnLst>
+                    </p:cTn>
+                  </p:par>
+                  <p:par>
+                    <p:cTn id="7" fill="hold">
+                      <p:stCondLst>
+                        <p:cond delay="indefinite"/>
+                      </p:stCondLst>
+                      <p:childTnLst>
+                        <p:par>
+                          <p:cTn id="8" fill="hold">
+                            <p:stCondLst>
+                              <p:cond delay="0"/>
+                            </p:stCondLst>
+                            <p:childTnLst>
+                              <p:par>
+                                <p:cTn id="9" presetID="1" presetClass="entr" presetSubtype="0" fill="hold" nodeType="clickEffect">
+                                  <p:stCondLst>
+                                    <p:cond delay="0"/>
+                                  </p:stCondLst>
+                                  <p:childTnLst>
+                                    <p:set>
+                                      <p:cBhvr>
+                                        <p:cTn id="10" dur="1" fill="hold">
+                                          <p:stCondLst>
+                                            <p:cond delay="0"/>
+                                          </p:stCondLst>
+                                        </p:cTn>
+                                        <p:tgtEl>
+                                          <p:spTgt spid="3">
+                                            <p:txEl>
+                                              <p:pRg st="1" end="1"/>
+                                            </p:txEl>
+                                          </p:spTgt>
+                                        </p:tgtEl>
+                                        <p:attrNameLst>
+                                          <p:attrName>style.visibility</p:attrName>
+                                        </p:attrNameLst>
+                                      </p:cBhvr>
+                                      <p:to>
+                                        <p:strVal val="visible"/>
+                                      </p:to>
+                                    </p:set>
+                                  </p:childTnLst>
+                                </p:cTn>
+                              </p:par>
+                            </p:childTnLst>
+                          </p:cTn>
+                        </p:par>
+                      </p:childTnLst>
+                    </p:cTn>
+                  </p:par>
+                  <p:par>
+                    <p:cTn id="11" fill="hold">
+                      <p:stCondLst>
+                        <p:cond delay="indefinite"/>
+                      </p:stCondLst>
+                      <p:childTnLst>
+                        <p:par>
+                          <p:cTn id="12" fill="hold">
+                            <p:stCondLst>
+                              <p:cond delay="0"/>
+                            </p:stCondLst>
+                            <p:childTnLst>
+                              <p:par>
+                                <p:cTn id="13" presetID="1" presetClass="entr" presetSubtype="0" fill="hold" nodeType="clickEffect">
+                                  <p:stCondLst>
+                                    <p:cond delay="0"/>
+                                  </p:stCondLst>
+                                  <p:childTnLst>
+                                    <p:set>
+                                      <p:cBhvr>
+                                        <p:cTn id="14" dur="1" fill="hold">
+                                          <p:stCondLst>
+                                            <p:cond delay="0"/>
+                                          </p:stCondLst>
+                                        </p:cTn>
+                                        <p:tgtEl>
+                                          <p:spTgt spid="3">
+                                            <p:txEl>
+                                              <p:pRg st="2" end="2"/>
+                                            </p:txEl>
+                                          </p:spTgt>
+                                        </p:tgtEl>
+                                        <p:attrNameLst>
+                                          <p:attrName>style.visibility</p:attrName>
+                                        </p:attrNameLst>
+                                      </p:cBhvr>
+                                      <p:to>
+                                        <p:strVal val="visible"/>
+                                      </p:to>
+                                    </p:set>
+                                  </p:childTnLst>
+                                </p:cTn>
+                              </p:par>
+                            </p:childTnLst>
+                          </p:cTn>
+                        </p:par>
+                      </p:childTnLst>
+                    </p:cTn>
+                  </p:par>
+                  <p:par>
+                    <p:cTn id="15" fill="hold">
+                      <p:stCondLst>
+                        <p:cond delay="indefinite"/>
+                      </p:stCondLst>
+                      <p:childTnLst>
+                        <p:par>
+                          <p:cTn id="16" fill="hold">
+                            <p:stCondLst>
+                              <p:cond delay="0"/>
+                            </p:stCondLst>
+                            <p:childTnLst>
+                              <p:par>
+                                <p:cTn id="17" presetID="1" presetClass="entr" presetSubtype="0" fill="hold" nodeType="clickEffect">
+                                  <p:stCondLst>
+                                    <p:cond delay="0"/>
+                                  </p:stCondLst>
+                                  <p:childTnLst>
+                                    <p:set>
+                                      <p:cBhvr>
+                                        <p:cTn id="18" dur="1" fill="hold">
+                                          <p:stCondLst>
+                                            <p:cond delay="0"/>
+                                          </p:stCondLst>
+                                        </p:cTn>
+                                        <p:tgtEl>
+                                          <p:spTgt spid="3">
+                                            <p:txEl>
+                                              <p:pRg st="3" end="3"/>
+                                            </p:txEl>
+                                          </p:spTgt>
+                                        </p:tgtEl>
+                                        <p:attrNameLst>
+                                          <p:attrName>style.visibility</p:attrName>
+                                        </p:attrNameLst>
+                                      </p:cBhvr>
+                                      <p:to>
+                                        <p:strVal val="visible"/>
+                                      </p:to>
+                                    </p:set>
+                                  </p:childTnLst>
+                                </p:cTn>
+                              </p:par>
+                            </p:childTnLst>
+                          </p:cTn>
+                        </p:par>
+                      </p:childTnLst>
+                    </p:cTn>
+                  </p:par>
+                  <p:par>
+                    <p:cTn id="19" fill="hold">
+                      <p:stCondLst>
+                        <p:cond delay="indefinite"/>
+                      </p:stCondLst>
+                      <p:childTnLst>
+                        <p:par>
+                          <p:cTn id="20" fill="hold">
+                            <p:stCondLst>
+                              <p:cond delay="0"/>
+                            </p:stCondLst>
+                            <p:childTnLst>
+                              <p:par>
+                                <p:cTn id="21" presetID="1" presetClass="entr" presetSubtype="0" fill="hold" nodeType="clickEffect">
+                                  <p:stCondLst>
+                                    <p:cond delay="0"/>
+                                  </p:stCondLst>
+                                  <p:childTnLst>
+                                    <p:set>
+                                      <p:cBhvr>
+                                        <p:cTn id="22" dur="1" fill="hold">
+                                          <p:stCondLst>
+                                            <p:cond delay="0"/>
+                                          </p:stCondLst>
+                                        </p:cTn>
+                                        <p:tgtEl>
+                                          <p:spTgt spid="3">
+                                            <p:txEl>
+                                              <p:pRg st="4" end="4"/>
+                                            </p:txEl>
+                                          </p:spTgt>
+                                        </p:tgtEl>
+                                        <p:attrNameLst>
+                                          <p:attrName>style.visibility</p:attrName>
+                                        </p:attrNameLst>
+                                      </p:cBhvr>
+                                      <p:to>
+                                        <p:strVal val="visible"/>
+                                      </p:to>
+                                    </p:set>
+                                  </p:childTnLst>
+                                </p:cTn>
+                              </p:par>
+                              <p:par>
+                                <p:cTn id="23" presetID="1" presetClass="entr" presetSubtype="0" fill="hold" nodeType="withEffect">
+                                  <p:stCondLst>
+                                    <p:cond delay="0"/>
+                                  </p:stCondLst>
+                                  <p:childTnLst>
+                                    <p:set>
+                                      <p:cBhvr>
+                                        <p:cTn id="24" dur="1" fill="hold">
+                                          <p:stCondLst>
+                                            <p:cond delay="0"/>
+                                          </p:stCondLst>
+                                        </p:cTn>
+                                        <p:tgtEl>
+                                          <p:spTgt spid="3">
+                                            <p:txEl>
+                                              <p:pRg st="5" end="5"/>
+                                            </p:txEl>
+                                          </p:spTgt>
+                                        </p:tgtEl>
+                                        <p:attrNameLst>
+                                          <p:attrName>style.visibility</p:attrName>
+                                        </p:attrNameLst>
+                                      </p:cBhvr>
+                                      <p:to>
+                                        <p:strVal val="visible"/>
+                                      </p:to>
+                                    </p:set>
+                                  </p:childTnLst>
+                                </p:cTn>
+                              </p:par>
+                              <p:par>
+                                <p:cTn id="25" presetID="1" presetClass="entr" presetSubtype="0" fill="hold" nodeType="withEffect">
+                                  <p:stCondLst>
+                                    <p:cond delay="0"/>
+                                  </p:stCondLst>
+                                  <p:childTnLst>
+                                    <p:set>
+                                      <p:cBhvr>
+                                        <p:cTn id="26" dur="1" fill="hold">
+                                          <p:stCondLst>
+                                            <p:cond delay="0"/>
+                                          </p:stCondLst>
+                                        </p:cTn>
+                                        <p:tgtEl>
+                                          <p:spTgt spid="3">
+                                            <p:txEl>
+                                              <p:pRg st="6" end="6"/>
+                                            </p:txEl>
+                                          </p:spTgt>
+                                        </p:tgtEl>
+                                        <p:attrNameLst>
+                                          <p:attrName>style.visibility</p:attrName>
+                                        </p:attrNameLst>
+                                      </p:cBhvr>
+                                      <p:to>
+                                        <p:strVal val="visible"/>
+                                      </p:to>
+                                    </p:set>
+                                  </p:childTnLst>
+                                </p:cTn>
+                              </p:par>
+                              <p:par>
+                                <p:cTn id="27" presetID="1" presetClass="entr" presetSubtype="0" fill="hold" nodeType="withEffect">
+                                  <p:stCondLst>
+                                    <p:cond delay="0"/>
+                                  </p:stCondLst>
+                                  <p:childTnLst>
+                                    <p:set>
+                                      <p:cBhvr>
+                                        <p:cTn id="28" dur="1" fill="hold">
+                                          <p:stCondLst>
+                                            <p:cond delay="0"/>
+                                          </p:stCondLst>
+                                        </p:cTn>
+                                        <p:tgtEl>
+                                          <p:spTgt spid="3">
+                                            <p:txEl>
+                                              <p:pRg st="7" end="7"/>
+                                            </p:txEl>
+                                          </p:spTgt>
+                                        </p:tgtEl>
+                                        <p:attrNameLst>
+                                          <p:attrName>style.visibility</p:attrName>
+                                        </p:attrNameLst>
+                                      </p:cBhvr>
+                                      <p:to>
+                                        <p:strVal val="visible"/>
+                                      </p:to>
+                                    </p:set>
+                                  </p:childTnLst>
+                                </p:cTn>
+                              </p:par>
+                              <p:par>
+                                <p:cTn id="29" presetID="1" presetClass="entr" presetSubtype="0" fill="hold" nodeType="withEffect">
+                                  <p:stCondLst>
+                                    <p:cond delay="0"/>
+                                  </p:stCondLst>
+                                  <p:childTnLst>
+                                    <p:set>
+                                      <p:cBhvr>
+                                        <p:cTn id="30" dur="1" fill="hold">
+                                          <p:stCondLst>
+                                            <p:cond delay="0"/>
+                                          </p:stCondLst>
+                                        </p:cTn>
+                                        <p:tgtEl>
+                                          <p:spTgt spid="3">
+                                            <p:txEl>
+                                              <p:pRg st="8" end="8"/>
+                                            </p:txEl>
+                                          </p:spTgt>
+                                        </p:tgtEl>
+                                        <p:attrNameLst>
+                                          <p:attrName>style.visibility</p:attrName>
+                                        </p:attrNameLst>
+                                      </p:cBhvr>
+                                      <p:to>
+                                        <p:strVal val="visible"/>
+                                      </p:to>
+                                    </p:set>
+                                  </p:childTnLst>
+                                </p:cTn>
+                              </p:par>
+                            </p:childTnLst>
+                          </p:cTn>
+                        </p:par>
+                      </p:childTnLst>
+                    </p:cTn>
+                  </p:par>
+                </p:childTnLst>
+              </p:cTn>
+              <p:prevCondLst>
+                <p:cond evt="onPrev" delay="0">
+                  <p:tgtEl>
+                    <p:sldTgt/>
+                  </p:tgtEl>
+                </p:cond>
+              </p:prevCondLst>
+              <p:nextCondLst>
+                <p:cond evt="onNext" delay="0">
+                  <p:tgtEl>
+                    <p:sldTgt/>
+                  </p:tgtEl>
+                </p:cond>
+              </p:nextCondLst>
+            </p:seq>
+          </p:childTnLst>
+        </p:cTn>
+      </p:par>
+    </p:tnLst>
+  </p:timing>
 </p:sld>
 </file>
 
@@ -3045,7 +5118,7 @@
           <a:p>
             <a:r>
               <a:rPr kumimoji="1" lang="en-US" altLang="ko-KR" dirty="0">
-                <a:hlinkClick r:id="rId2"/>
+                <a:hlinkClick r:id="rId3"/>
               </a:rPr>
               <a:t>https://threejs.org</a:t>
             </a:r>
@@ -3080,13 +5153,6 @@
               <a:rPr kumimoji="1" lang="en-US" altLang="ko-KR" dirty="0"/>
               <a:t>Code</a:t>
             </a:r>
-          </a:p>
-          <a:p>
-            <a:r>
-              <a:rPr kumimoji="1" lang="en-US" altLang="ko-KR" dirty="0"/>
-              <a:t>Resources - lectures</a:t>
-            </a:r>
-            <a:endParaRPr kumimoji="1" lang="ko-KR" altLang="en-US" dirty="0"/>
           </a:p>
         </p:txBody>
       </p:sp>
@@ -3134,14 +5200,14 @@
           <p:nvPr/>
         </p:nvPicPr>
         <p:blipFill>
-          <a:blip r:embed="rId3"/>
+          <a:blip r:embed="rId4"/>
           <a:stretch>
             <a:fillRect/>
           </a:stretch>
         </p:blipFill>
         <p:spPr>
           <a:xfrm>
-            <a:off x="3863752" y="1124743"/>
+            <a:off x="4178977" y="1124743"/>
             <a:ext cx="7473900" cy="4247431"/>
           </a:xfrm>
           <a:prstGeom prst="rect">
@@ -3173,6 +5239,357 @@
   <p:clrMapOvr>
     <a:masterClrMapping/>
   </p:clrMapOvr>
+  <p:timing>
+    <p:tnLst>
+      <p:par>
+        <p:cTn id="1" dur="indefinite" restart="never" nodeType="tmRoot">
+          <p:childTnLst>
+            <p:seq concurrent="1" nextAc="seek">
+              <p:cTn id="2" dur="indefinite" nodeType="mainSeq">
+                <p:childTnLst>
+                  <p:par>
+                    <p:cTn id="3" fill="hold">
+                      <p:stCondLst>
+                        <p:cond delay="indefinite"/>
+                      </p:stCondLst>
+                      <p:childTnLst>
+                        <p:par>
+                          <p:cTn id="4" fill="hold">
+                            <p:stCondLst>
+                              <p:cond delay="0"/>
+                            </p:stCondLst>
+                            <p:childTnLst>
+                              <p:par>
+                                <p:cTn id="5" presetID="1" presetClass="entr" presetSubtype="0" fill="hold" nodeType="clickEffect">
+                                  <p:stCondLst>
+                                    <p:cond delay="0"/>
+                                  </p:stCondLst>
+                                  <p:childTnLst>
+                                    <p:set>
+                                      <p:cBhvr>
+                                        <p:cTn id="6" dur="1" fill="hold">
+                                          <p:stCondLst>
+                                            <p:cond delay="0"/>
+                                          </p:stCondLst>
+                                        </p:cTn>
+                                        <p:tgtEl>
+                                          <p:spTgt spid="3">
+                                            <p:txEl>
+                                              <p:pRg st="0" end="0"/>
+                                            </p:txEl>
+                                          </p:spTgt>
+                                        </p:tgtEl>
+                                        <p:attrNameLst>
+                                          <p:attrName>style.visibility</p:attrName>
+                                        </p:attrNameLst>
+                                      </p:cBhvr>
+                                      <p:to>
+                                        <p:strVal val="visible"/>
+                                      </p:to>
+                                    </p:set>
+                                  </p:childTnLst>
+                                </p:cTn>
+                              </p:par>
+                              <p:par>
+                                <p:cTn id="7" presetID="1" presetClass="entr" presetSubtype="0" fill="hold" nodeType="withEffect">
+                                  <p:stCondLst>
+                                    <p:cond delay="0"/>
+                                  </p:stCondLst>
+                                  <p:childTnLst>
+                                    <p:set>
+                                      <p:cBhvr>
+                                        <p:cTn id="8" dur="1" fill="hold">
+                                          <p:stCondLst>
+                                            <p:cond delay="0"/>
+                                          </p:stCondLst>
+                                        </p:cTn>
+                                        <p:tgtEl>
+                                          <p:spTgt spid="5"/>
+                                        </p:tgtEl>
+                                        <p:attrNameLst>
+                                          <p:attrName>style.visibility</p:attrName>
+                                        </p:attrNameLst>
+                                      </p:cBhvr>
+                                      <p:to>
+                                        <p:strVal val="visible"/>
+                                      </p:to>
+                                    </p:set>
+                                  </p:childTnLst>
+                                </p:cTn>
+                              </p:par>
+                            </p:childTnLst>
+                          </p:cTn>
+                        </p:par>
+                      </p:childTnLst>
+                    </p:cTn>
+                  </p:par>
+                  <p:par>
+                    <p:cTn id="9" fill="hold">
+                      <p:stCondLst>
+                        <p:cond delay="indefinite"/>
+                      </p:stCondLst>
+                      <p:childTnLst>
+                        <p:par>
+                          <p:cTn id="10" fill="hold">
+                            <p:stCondLst>
+                              <p:cond delay="0"/>
+                            </p:stCondLst>
+                            <p:childTnLst>
+                              <p:par>
+                                <p:cTn id="11" presetID="1" presetClass="entr" presetSubtype="0" fill="hold" nodeType="clickEffect">
+                                  <p:stCondLst>
+                                    <p:cond delay="0"/>
+                                  </p:stCondLst>
+                                  <p:childTnLst>
+                                    <p:set>
+                                      <p:cBhvr>
+                                        <p:cTn id="12" dur="1" fill="hold">
+                                          <p:stCondLst>
+                                            <p:cond delay="0"/>
+                                          </p:stCondLst>
+                                        </p:cTn>
+                                        <p:tgtEl>
+                                          <p:spTgt spid="3">
+                                            <p:txEl>
+                                              <p:pRg st="1" end="1"/>
+                                            </p:txEl>
+                                          </p:spTgt>
+                                        </p:tgtEl>
+                                        <p:attrNameLst>
+                                          <p:attrName>style.visibility</p:attrName>
+                                        </p:attrNameLst>
+                                      </p:cBhvr>
+                                      <p:to>
+                                        <p:strVal val="visible"/>
+                                      </p:to>
+                                    </p:set>
+                                  </p:childTnLst>
+                                </p:cTn>
+                              </p:par>
+                            </p:childTnLst>
+                          </p:cTn>
+                        </p:par>
+                      </p:childTnLst>
+                    </p:cTn>
+                  </p:par>
+                  <p:par>
+                    <p:cTn id="13" fill="hold">
+                      <p:stCondLst>
+                        <p:cond delay="indefinite"/>
+                      </p:stCondLst>
+                      <p:childTnLst>
+                        <p:par>
+                          <p:cTn id="14" fill="hold">
+                            <p:stCondLst>
+                              <p:cond delay="0"/>
+                            </p:stCondLst>
+                            <p:childTnLst>
+                              <p:par>
+                                <p:cTn id="15" presetID="1" presetClass="entr" presetSubtype="0" fill="hold" nodeType="clickEffect">
+                                  <p:stCondLst>
+                                    <p:cond delay="0"/>
+                                  </p:stCondLst>
+                                  <p:childTnLst>
+                                    <p:set>
+                                      <p:cBhvr>
+                                        <p:cTn id="16" dur="1" fill="hold">
+                                          <p:stCondLst>
+                                            <p:cond delay="0"/>
+                                          </p:stCondLst>
+                                        </p:cTn>
+                                        <p:tgtEl>
+                                          <p:spTgt spid="3">
+                                            <p:txEl>
+                                              <p:pRg st="2" end="2"/>
+                                            </p:txEl>
+                                          </p:spTgt>
+                                        </p:tgtEl>
+                                        <p:attrNameLst>
+                                          <p:attrName>style.visibility</p:attrName>
+                                        </p:attrNameLst>
+                                      </p:cBhvr>
+                                      <p:to>
+                                        <p:strVal val="visible"/>
+                                      </p:to>
+                                    </p:set>
+                                  </p:childTnLst>
+                                </p:cTn>
+                              </p:par>
+                            </p:childTnLst>
+                          </p:cTn>
+                        </p:par>
+                      </p:childTnLst>
+                    </p:cTn>
+                  </p:par>
+                  <p:par>
+                    <p:cTn id="17" fill="hold">
+                      <p:stCondLst>
+                        <p:cond delay="indefinite"/>
+                      </p:stCondLst>
+                      <p:childTnLst>
+                        <p:par>
+                          <p:cTn id="18" fill="hold">
+                            <p:stCondLst>
+                              <p:cond delay="0"/>
+                            </p:stCondLst>
+                            <p:childTnLst>
+                              <p:par>
+                                <p:cTn id="19" presetID="1" presetClass="entr" presetSubtype="0" fill="hold" nodeType="clickEffect">
+                                  <p:stCondLst>
+                                    <p:cond delay="0"/>
+                                  </p:stCondLst>
+                                  <p:childTnLst>
+                                    <p:set>
+                                      <p:cBhvr>
+                                        <p:cTn id="20" dur="1" fill="hold">
+                                          <p:stCondLst>
+                                            <p:cond delay="0"/>
+                                          </p:stCondLst>
+                                        </p:cTn>
+                                        <p:tgtEl>
+                                          <p:spTgt spid="3">
+                                            <p:txEl>
+                                              <p:pRg st="3" end="3"/>
+                                            </p:txEl>
+                                          </p:spTgt>
+                                        </p:tgtEl>
+                                        <p:attrNameLst>
+                                          <p:attrName>style.visibility</p:attrName>
+                                        </p:attrNameLst>
+                                      </p:cBhvr>
+                                      <p:to>
+                                        <p:strVal val="visible"/>
+                                      </p:to>
+                                    </p:set>
+                                  </p:childTnLst>
+                                </p:cTn>
+                              </p:par>
+                            </p:childTnLst>
+                          </p:cTn>
+                        </p:par>
+                      </p:childTnLst>
+                    </p:cTn>
+                  </p:par>
+                  <p:par>
+                    <p:cTn id="21" fill="hold">
+                      <p:stCondLst>
+                        <p:cond delay="indefinite"/>
+                      </p:stCondLst>
+                      <p:childTnLst>
+                        <p:par>
+                          <p:cTn id="22" fill="hold">
+                            <p:stCondLst>
+                              <p:cond delay="0"/>
+                            </p:stCondLst>
+                            <p:childTnLst>
+                              <p:par>
+                                <p:cTn id="23" presetID="1" presetClass="entr" presetSubtype="0" fill="hold" nodeType="clickEffect">
+                                  <p:stCondLst>
+                                    <p:cond delay="0"/>
+                                  </p:stCondLst>
+                                  <p:childTnLst>
+                                    <p:set>
+                                      <p:cBhvr>
+                                        <p:cTn id="24" dur="1" fill="hold">
+                                          <p:stCondLst>
+                                            <p:cond delay="0"/>
+                                          </p:stCondLst>
+                                        </p:cTn>
+                                        <p:tgtEl>
+                                          <p:spTgt spid="3">
+                                            <p:txEl>
+                                              <p:pRg st="4" end="4"/>
+                                            </p:txEl>
+                                          </p:spTgt>
+                                        </p:tgtEl>
+                                        <p:attrNameLst>
+                                          <p:attrName>style.visibility</p:attrName>
+                                        </p:attrNameLst>
+                                      </p:cBhvr>
+                                      <p:to>
+                                        <p:strVal val="visible"/>
+                                      </p:to>
+                                    </p:set>
+                                  </p:childTnLst>
+                                </p:cTn>
+                              </p:par>
+                            </p:childTnLst>
+                          </p:cTn>
+                        </p:par>
+                      </p:childTnLst>
+                    </p:cTn>
+                  </p:par>
+                  <p:par>
+                    <p:cTn id="25" fill="hold">
+                      <p:stCondLst>
+                        <p:cond delay="indefinite"/>
+                      </p:stCondLst>
+                      <p:childTnLst>
+                        <p:par>
+                          <p:cTn id="26" fill="hold">
+                            <p:stCondLst>
+                              <p:cond delay="0"/>
+                            </p:stCondLst>
+                            <p:childTnLst>
+                              <p:par>
+                                <p:cTn id="27" presetID="1" presetClass="entr" presetSubtype="0" fill="hold" nodeType="clickEffect">
+                                  <p:stCondLst>
+                                    <p:cond delay="0"/>
+                                  </p:stCondLst>
+                                  <p:childTnLst>
+                                    <p:set>
+                                      <p:cBhvr>
+                                        <p:cTn id="28" dur="1" fill="hold">
+                                          <p:stCondLst>
+                                            <p:cond delay="0"/>
+                                          </p:stCondLst>
+                                        </p:cTn>
+                                        <p:tgtEl>
+                                          <p:spTgt spid="3">
+                                            <p:txEl>
+                                              <p:pRg st="5" end="5"/>
+                                            </p:txEl>
+                                          </p:spTgt>
+                                        </p:tgtEl>
+                                        <p:attrNameLst>
+                                          <p:attrName>style.visibility</p:attrName>
+                                        </p:attrNameLst>
+                                      </p:cBhvr>
+                                      <p:to>
+                                        <p:strVal val="visible"/>
+                                      </p:to>
+                                    </p:set>
+                                  </p:childTnLst>
+                                </p:cTn>
+                              </p:par>
+                            </p:childTnLst>
+                          </p:cTn>
+                        </p:par>
+                      </p:childTnLst>
+                    </p:cTn>
+                  </p:par>
+                </p:childTnLst>
+              </p:cTn>
+              <p:prevCondLst>
+                <p:cond evt="onPrev" delay="0">
+                  <p:tgtEl>
+                    <p:sldTgt/>
+                  </p:tgtEl>
+                </p:cond>
+              </p:prevCondLst>
+              <p:nextCondLst>
+                <p:cond evt="onNext" delay="0">
+                  <p:tgtEl>
+                    <p:sldTgt/>
+                  </p:tgtEl>
+                </p:cond>
+              </p:nextCondLst>
+            </p:seq>
+          </p:childTnLst>
+        </p:cTn>
+      </p:par>
+    </p:tnLst>
+  </p:timing>
 </p:sld>
 </file>
 
@@ -3323,7 +5740,7 @@
           <p:nvPr/>
         </p:nvPicPr>
         <p:blipFill>
-          <a:blip r:embed="rId2"/>
+          <a:blip r:embed="rId3"/>
           <a:stretch>
             <a:fillRect/>
           </a:stretch>
@@ -3518,15 +5935,9 @@
           <a:p>
             <a:r>
               <a:rPr kumimoji="1" lang="en-US" altLang="ko-KR" dirty="0">
-                <a:hlinkClick r:id="rId2"/>
+                <a:hlinkClick r:id="rId3"/>
               </a:rPr>
-              <a:t>https://github.com/iklee99/</a:t>
-            </a:r>
-            <a:r>
-              <a:rPr kumimoji="1" lang="en-US" altLang="ko-KR" dirty="0" err="1">
-                <a:hlinkClick r:id="rId2"/>
-              </a:rPr>
-              <a:t>ThreeJSSource</a:t>
+              <a:t>https://github.com/iklee99/ThreeJSSource</a:t>
             </a:r>
             <a:endParaRPr kumimoji="1" lang="en-US" altLang="ko-KR" dirty="0"/>
           </a:p>
@@ -3640,10 +6051,10 @@
           </p:nvPr>
         </p:nvPicPr>
         <p:blipFill>
-          <a:blip r:embed="rId2">
+          <a:blip r:embed="rId3">
             <a:extLst>
               <a:ext uri="{96DAC541-7B7A-43D3-8B79-37D633B846F1}">
-                <asvg:svgBlip xmlns:asvg="http://schemas.microsoft.com/office/drawing/2016/SVG/main" r:embed="rId3"/>
+                <asvg:svgBlip xmlns:asvg="http://schemas.microsoft.com/office/drawing/2016/SVG/main" r:embed="rId4"/>
               </a:ext>
             </a:extLst>
           </a:blip>
@@ -3958,6 +6369,125 @@
             </a:endParaRPr>
           </a:p>
           <a:p>
+            <a:r>
+              <a:rPr kumimoji="1" lang="en-US" altLang="ko-KR" dirty="0">
+                <a:latin typeface="Pretendard" panose="02000503000000020004" pitchFamily="2" charset="-127"/>
+                <a:ea typeface="Pretendard" panose="02000503000000020004" pitchFamily="2" charset="-127"/>
+                <a:cs typeface="Pretendard" panose="02000503000000020004" pitchFamily="2" charset="-127"/>
+              </a:rPr>
+              <a:t>Scene</a:t>
+            </a:r>
+            <a:r>
+              <a:rPr kumimoji="1" lang="ko-KR" altLang="en-US" dirty="0">
+                <a:latin typeface="Pretendard" panose="02000503000000020004" pitchFamily="2" charset="-127"/>
+                <a:ea typeface="Pretendard" panose="02000503000000020004" pitchFamily="2" charset="-127"/>
+                <a:cs typeface="Pretendard" panose="02000503000000020004" pitchFamily="2" charset="-127"/>
+              </a:rPr>
+              <a:t>은 </a:t>
+            </a:r>
+            <a:r>
+              <a:rPr kumimoji="1" lang="en-US" altLang="ko-KR" dirty="0">
+                <a:latin typeface="Pretendard" panose="02000503000000020004" pitchFamily="2" charset="-127"/>
+                <a:ea typeface="Pretendard" panose="02000503000000020004" pitchFamily="2" charset="-127"/>
+                <a:cs typeface="Pretendard" panose="02000503000000020004" pitchFamily="2" charset="-127"/>
+              </a:rPr>
+              <a:t>Renderer</a:t>
+            </a:r>
+            <a:r>
+              <a:rPr kumimoji="1" lang="ko-KR" altLang="en-US" dirty="0">
+                <a:latin typeface="Pretendard" panose="02000503000000020004" pitchFamily="2" charset="-127"/>
+                <a:ea typeface="Pretendard" panose="02000503000000020004" pitchFamily="2" charset="-127"/>
+                <a:cs typeface="Pretendard" panose="02000503000000020004" pitchFamily="2" charset="-127"/>
+              </a:rPr>
+              <a:t>를 이용하여 </a:t>
+            </a:r>
+            <a:r>
+              <a:rPr kumimoji="1" lang="en-US" altLang="ko-KR" dirty="0">
+                <a:latin typeface="Pretendard" panose="02000503000000020004" pitchFamily="2" charset="-127"/>
+                <a:ea typeface="Pretendard" panose="02000503000000020004" pitchFamily="2" charset="-127"/>
+                <a:cs typeface="Pretendard" panose="02000503000000020004" pitchFamily="2" charset="-127"/>
+              </a:rPr>
+              <a:t>rendering</a:t>
+            </a:r>
+            <a:r>
+              <a:rPr kumimoji="1" lang="ko-KR" altLang="en-US" dirty="0">
+                <a:latin typeface="Pretendard" panose="02000503000000020004" pitchFamily="2" charset="-127"/>
+                <a:ea typeface="Pretendard" panose="02000503000000020004" pitchFamily="2" charset="-127"/>
+                <a:cs typeface="Pretendard" panose="02000503000000020004" pitchFamily="2" charset="-127"/>
+              </a:rPr>
+              <a:t>되며</a:t>
+            </a:r>
+            <a:r>
+              <a:rPr kumimoji="1" lang="en-US" altLang="ko-KR" dirty="0">
+                <a:latin typeface="Pretendard" panose="02000503000000020004" pitchFamily="2" charset="-127"/>
+                <a:ea typeface="Pretendard" panose="02000503000000020004" pitchFamily="2" charset="-127"/>
+                <a:cs typeface="Pretendard" panose="02000503000000020004" pitchFamily="2" charset="-127"/>
+              </a:rPr>
+              <a:t>,</a:t>
+            </a:r>
+            <a:r>
+              <a:rPr kumimoji="1" lang="ko-KR" altLang="en-US" dirty="0">
+                <a:latin typeface="Pretendard" panose="02000503000000020004" pitchFamily="2" charset="-127"/>
+                <a:ea typeface="Pretendard" panose="02000503000000020004" pitchFamily="2" charset="-127"/>
+                <a:cs typeface="Pretendard" panose="02000503000000020004" pitchFamily="2" charset="-127"/>
+              </a:rPr>
+              <a:t> </a:t>
+            </a:r>
+            <a:r>
+              <a:rPr kumimoji="1" lang="en-US" altLang="ko-KR" dirty="0">
+                <a:latin typeface="Pretendard" panose="02000503000000020004" pitchFamily="2" charset="-127"/>
+                <a:ea typeface="Pretendard" panose="02000503000000020004" pitchFamily="2" charset="-127"/>
+                <a:cs typeface="Pretendard" panose="02000503000000020004" pitchFamily="2" charset="-127"/>
+              </a:rPr>
+              <a:t>Renderer</a:t>
+            </a:r>
+            <a:r>
+              <a:rPr kumimoji="1" lang="ko-KR" altLang="en-US" dirty="0">
+                <a:latin typeface="Pretendard" panose="02000503000000020004" pitchFamily="2" charset="-127"/>
+                <a:ea typeface="Pretendard" panose="02000503000000020004" pitchFamily="2" charset="-127"/>
+                <a:cs typeface="Pretendard" panose="02000503000000020004" pitchFamily="2" charset="-127"/>
+              </a:rPr>
+              <a:t>는 </a:t>
+            </a:r>
+            <a:r>
+              <a:rPr kumimoji="1" lang="en-US" altLang="ko-KR" dirty="0">
+                <a:latin typeface="Pretendard" panose="02000503000000020004" pitchFamily="2" charset="-127"/>
+                <a:ea typeface="Pretendard" panose="02000503000000020004" pitchFamily="2" charset="-127"/>
+                <a:cs typeface="Pretendard" panose="02000503000000020004" pitchFamily="2" charset="-127"/>
+              </a:rPr>
+              <a:t>Three.js</a:t>
+            </a:r>
+            <a:r>
+              <a:rPr kumimoji="1" lang="ko-KR" altLang="en-US" dirty="0">
+                <a:latin typeface="Pretendard" panose="02000503000000020004" pitchFamily="2" charset="-127"/>
+                <a:ea typeface="Pretendard" panose="02000503000000020004" pitchFamily="2" charset="-127"/>
+                <a:cs typeface="Pretendard" panose="02000503000000020004" pitchFamily="2" charset="-127"/>
+              </a:rPr>
+              <a:t>와 </a:t>
+            </a:r>
+            <a:r>
+              <a:rPr kumimoji="1" lang="en-US" altLang="ko-KR" dirty="0">
+                <a:latin typeface="Pretendard" panose="02000503000000020004" pitchFamily="2" charset="-127"/>
+                <a:ea typeface="Pretendard" panose="02000503000000020004" pitchFamily="2" charset="-127"/>
+                <a:cs typeface="Pretendard" panose="02000503000000020004" pitchFamily="2" charset="-127"/>
+              </a:rPr>
+              <a:t>html document</a:t>
+            </a:r>
+            <a:r>
+              <a:rPr kumimoji="1" lang="ko-KR" altLang="en-US" dirty="0">
+                <a:latin typeface="Pretendard" panose="02000503000000020004" pitchFamily="2" charset="-127"/>
+                <a:ea typeface="Pretendard" panose="02000503000000020004" pitchFamily="2" charset="-127"/>
+                <a:cs typeface="Pretendard" panose="02000503000000020004" pitchFamily="2" charset="-127"/>
+              </a:rPr>
+              <a:t>를 연결하는 역할도 함</a:t>
+            </a:r>
+            <a:endParaRPr kumimoji="1" lang="en-US" altLang="ko-KR" dirty="0">
+              <a:latin typeface="Pretendard" panose="02000503000000020004" pitchFamily="2" charset="-127"/>
+              <a:ea typeface="Pretendard" panose="02000503000000020004" pitchFamily="2" charset="-127"/>
+              <a:cs typeface="Pretendard" panose="02000503000000020004" pitchFamily="2" charset="-127"/>
+            </a:endParaRPr>
+          </a:p>
+          <a:p>
             <a:pPr marL="0" indent="0">
               <a:buNone/>
             </a:pPr>
@@ -3975,6 +6505,259 @@
   <p:clrMapOvr>
     <a:masterClrMapping/>
   </p:clrMapOvr>
+  <p:timing>
+    <p:tnLst>
+      <p:par>
+        <p:cTn id="1" dur="indefinite" restart="never" nodeType="tmRoot">
+          <p:childTnLst>
+            <p:seq concurrent="1" nextAc="seek">
+              <p:cTn id="2" dur="indefinite" nodeType="mainSeq">
+                <p:childTnLst>
+                  <p:par>
+                    <p:cTn id="3" fill="hold">
+                      <p:stCondLst>
+                        <p:cond delay="indefinite"/>
+                      </p:stCondLst>
+                      <p:childTnLst>
+                        <p:par>
+                          <p:cTn id="4" fill="hold">
+                            <p:stCondLst>
+                              <p:cond delay="0"/>
+                            </p:stCondLst>
+                            <p:childTnLst>
+                              <p:par>
+                                <p:cTn id="5" presetID="1" presetClass="entr" presetSubtype="0" fill="hold" nodeType="clickEffect">
+                                  <p:stCondLst>
+                                    <p:cond delay="0"/>
+                                  </p:stCondLst>
+                                  <p:childTnLst>
+                                    <p:set>
+                                      <p:cBhvr>
+                                        <p:cTn id="6" dur="1" fill="hold">
+                                          <p:stCondLst>
+                                            <p:cond delay="0"/>
+                                          </p:stCondLst>
+                                        </p:cTn>
+                                        <p:tgtEl>
+                                          <p:spTgt spid="9">
+                                            <p:txEl>
+                                              <p:pRg st="0" end="0"/>
+                                            </p:txEl>
+                                          </p:spTgt>
+                                        </p:tgtEl>
+                                        <p:attrNameLst>
+                                          <p:attrName>style.visibility</p:attrName>
+                                        </p:attrNameLst>
+                                      </p:cBhvr>
+                                      <p:to>
+                                        <p:strVal val="visible"/>
+                                      </p:to>
+                                    </p:set>
+                                  </p:childTnLst>
+                                </p:cTn>
+                              </p:par>
+                              <p:par>
+                                <p:cTn id="7" presetID="1" presetClass="entr" presetSubtype="0" fill="hold" nodeType="withEffect">
+                                  <p:stCondLst>
+                                    <p:cond delay="0"/>
+                                  </p:stCondLst>
+                                  <p:childTnLst>
+                                    <p:set>
+                                      <p:cBhvr>
+                                        <p:cTn id="8" dur="1" fill="hold">
+                                          <p:stCondLst>
+                                            <p:cond delay="0"/>
+                                          </p:stCondLst>
+                                        </p:cTn>
+                                        <p:tgtEl>
+                                          <p:spTgt spid="7"/>
+                                        </p:tgtEl>
+                                        <p:attrNameLst>
+                                          <p:attrName>style.visibility</p:attrName>
+                                        </p:attrNameLst>
+                                      </p:cBhvr>
+                                      <p:to>
+                                        <p:strVal val="visible"/>
+                                      </p:to>
+                                    </p:set>
+                                  </p:childTnLst>
+                                </p:cTn>
+                              </p:par>
+                            </p:childTnLst>
+                          </p:cTn>
+                        </p:par>
+                      </p:childTnLst>
+                    </p:cTn>
+                  </p:par>
+                  <p:par>
+                    <p:cTn id="9" fill="hold">
+                      <p:stCondLst>
+                        <p:cond delay="indefinite"/>
+                      </p:stCondLst>
+                      <p:childTnLst>
+                        <p:par>
+                          <p:cTn id="10" fill="hold">
+                            <p:stCondLst>
+                              <p:cond delay="0"/>
+                            </p:stCondLst>
+                            <p:childTnLst>
+                              <p:par>
+                                <p:cTn id="11" presetID="1" presetClass="entr" presetSubtype="0" fill="hold" nodeType="clickEffect">
+                                  <p:stCondLst>
+                                    <p:cond delay="0"/>
+                                  </p:stCondLst>
+                                  <p:childTnLst>
+                                    <p:set>
+                                      <p:cBhvr>
+                                        <p:cTn id="12" dur="1" fill="hold">
+                                          <p:stCondLst>
+                                            <p:cond delay="0"/>
+                                          </p:stCondLst>
+                                        </p:cTn>
+                                        <p:tgtEl>
+                                          <p:spTgt spid="9">
+                                            <p:txEl>
+                                              <p:pRg st="1" end="1"/>
+                                            </p:txEl>
+                                          </p:spTgt>
+                                        </p:tgtEl>
+                                        <p:attrNameLst>
+                                          <p:attrName>style.visibility</p:attrName>
+                                        </p:attrNameLst>
+                                      </p:cBhvr>
+                                      <p:to>
+                                        <p:strVal val="visible"/>
+                                      </p:to>
+                                    </p:set>
+                                  </p:childTnLst>
+                                </p:cTn>
+                              </p:par>
+                            </p:childTnLst>
+                          </p:cTn>
+                        </p:par>
+                      </p:childTnLst>
+                    </p:cTn>
+                  </p:par>
+                  <p:par>
+                    <p:cTn id="13" fill="hold">
+                      <p:stCondLst>
+                        <p:cond delay="indefinite"/>
+                      </p:stCondLst>
+                      <p:childTnLst>
+                        <p:par>
+                          <p:cTn id="14" fill="hold">
+                            <p:stCondLst>
+                              <p:cond delay="0"/>
+                            </p:stCondLst>
+                            <p:childTnLst>
+                              <p:par>
+                                <p:cTn id="15" presetID="1" presetClass="entr" presetSubtype="0" fill="hold" nodeType="clickEffect">
+                                  <p:stCondLst>
+                                    <p:cond delay="0"/>
+                                  </p:stCondLst>
+                                  <p:childTnLst>
+                                    <p:set>
+                                      <p:cBhvr>
+                                        <p:cTn id="16" dur="1" fill="hold">
+                                          <p:stCondLst>
+                                            <p:cond delay="0"/>
+                                          </p:stCondLst>
+                                        </p:cTn>
+                                        <p:tgtEl>
+                                          <p:spTgt spid="9">
+                                            <p:txEl>
+                                              <p:pRg st="2" end="2"/>
+                                            </p:txEl>
+                                          </p:spTgt>
+                                        </p:tgtEl>
+                                        <p:attrNameLst>
+                                          <p:attrName>style.visibility</p:attrName>
+                                        </p:attrNameLst>
+                                      </p:cBhvr>
+                                      <p:to>
+                                        <p:strVal val="visible"/>
+                                      </p:to>
+                                    </p:set>
+                                  </p:childTnLst>
+                                </p:cTn>
+                              </p:par>
+                            </p:childTnLst>
+                          </p:cTn>
+                        </p:par>
+                      </p:childTnLst>
+                    </p:cTn>
+                  </p:par>
+                  <p:par>
+                    <p:cTn id="17" fill="hold">
+                      <p:stCondLst>
+                        <p:cond delay="indefinite"/>
+                      </p:stCondLst>
+                      <p:childTnLst>
+                        <p:par>
+                          <p:cTn id="18" fill="hold">
+                            <p:stCondLst>
+                              <p:cond delay="0"/>
+                            </p:stCondLst>
+                            <p:childTnLst>
+                              <p:par>
+                                <p:cTn id="19" presetID="1" presetClass="entr" presetSubtype="0" fill="hold" nodeType="clickEffect">
+                                  <p:stCondLst>
+                                    <p:cond delay="0"/>
+                                  </p:stCondLst>
+                                  <p:childTnLst>
+                                    <p:set>
+                                      <p:cBhvr>
+                                        <p:cTn id="20" dur="1" fill="hold">
+                                          <p:stCondLst>
+                                            <p:cond delay="0"/>
+                                          </p:stCondLst>
+                                        </p:cTn>
+                                        <p:tgtEl>
+                                          <p:spTgt spid="9">
+                                            <p:txEl>
+                                              <p:pRg st="3" end="3"/>
+                                            </p:txEl>
+                                          </p:spTgt>
+                                        </p:tgtEl>
+                                        <p:attrNameLst>
+                                          <p:attrName>style.visibility</p:attrName>
+                                        </p:attrNameLst>
+                                      </p:cBhvr>
+                                      <p:to>
+                                        <p:strVal val="visible"/>
+                                      </p:to>
+                                    </p:set>
+                                  </p:childTnLst>
+                                </p:cTn>
+                              </p:par>
+                            </p:childTnLst>
+                          </p:cTn>
+                        </p:par>
+                      </p:childTnLst>
+                    </p:cTn>
+                  </p:par>
+                </p:childTnLst>
+              </p:cTn>
+              <p:prevCondLst>
+                <p:cond evt="onPrev" delay="0">
+                  <p:tgtEl>
+                    <p:sldTgt/>
+                  </p:tgtEl>
+                </p:cond>
+              </p:prevCondLst>
+              <p:nextCondLst>
+                <p:cond evt="onNext" delay="0">
+                  <p:tgtEl>
+                    <p:sldTgt/>
+                  </p:tgtEl>
+                </p:cond>
+              </p:nextCondLst>
+            </p:seq>
+          </p:childTnLst>
+        </p:cTn>
+      </p:par>
+    </p:tnLst>
+  </p:timing>
 </p:sld>
 </file>
 
@@ -4172,7 +6955,7 @@
           <p:nvPr/>
         </p:nvPicPr>
         <p:blipFill>
-          <a:blip r:embed="rId2"/>
+          <a:blip r:embed="rId3"/>
           <a:srcRect b="2667"/>
           <a:stretch/>
         </p:blipFill>
